--- a/test/pptx/speaker-notes-after-metadata/output.pptx
+++ b/test/pptx/speaker-notes-after-metadata/output.pptx
@@ -5,7 +5,7 @@
     <p:sldMasterId id="2147483648" r:id="rId1"/>
   </p:sldMasterIdLst>
   <p:notesMasterIdLst>
-    <p:NotesMasterId r:id="rId4"/>
+    <p:notesMasterId r:id="rId4"/>
   </p:notesMasterIdLst>
   <p:sldIdLst>
     <p:sldId id="256" r:id="rId2"/>

--- a/test/pptx/speaker-notes-after-metadata/output.pptx
+++ b/test/pptx/speaker-notes-after-metadata/output.pptx
@@ -3037,7 +3037,7 @@
 </file>
 
 <file path=ppt/slideMasters/slideMaster1.xml><?xml version="1.0" encoding="utf-8"?>
-<p:sldMaster xmlns:a="http://schemas.openxmlformats.org/drawingml/2006/main" xmlns:r="http://schemas.openxmlformats.org/officeDocument/2006/relationships" xmlns:p="http://schemas.openxmlformats.org/presentationml/2006/main">
+<p:sldMaster xmlns:a="http://schemas.openxmlformats.org/drawingml/2006/main" xmlns:p="http://schemas.openxmlformats.org/presentationml/2006/main" xmlns:r="http://schemas.openxmlformats.org/officeDocument/2006/relationships">
   <p:cSld>
     <p:bg>
       <p:bgRef idx="1001">
@@ -3078,7 +3078,7 @@
           </a:prstGeom>
         </p:spPr>
         <p:txBody>
-          <a:bodyPr vert="horz" lIns="91440" tIns="45720" rIns="91440" bIns="45720" rtlCol="0" anchor="ctr">
+          <a:bodyPr anchor="ctr" bIns="45720" lIns="91440" rIns="91440" rtlCol="0" tIns="45720" vert="horz">
             <a:normAutofit/>
           </a:bodyPr>
           <a:lstStyle/>
@@ -3098,7 +3098,7 @@
             <a:spLocks noGrp="1"/>
           </p:cNvSpPr>
           <p:nvPr>
-            <p:ph type="body" idx="1"/>
+            <p:ph idx="1" type="body"/>
           </p:nvPr>
         </p:nvSpPr>
         <p:spPr>
@@ -3111,7 +3111,7 @@
           </a:prstGeom>
         </p:spPr>
         <p:txBody>
-          <a:bodyPr vert="horz" lIns="91440" tIns="45720" rIns="91440" bIns="45720" rtlCol="0">
+          <a:bodyPr bIns="45720" lIns="91440" rIns="91440" rtlCol="0" tIns="45720" vert="horz">
             <a:normAutofit/>
           </a:bodyPr>
           <a:lstStyle/>
@@ -3160,7 +3160,7 @@
             <a:spLocks noGrp="1"/>
           </p:cNvSpPr>
           <p:nvPr>
-            <p:ph type="dt" sz="half" idx="2"/>
+            <p:ph idx="2" sz="half" type="dt"/>
           </p:nvPr>
         </p:nvSpPr>
         <p:spPr>
@@ -3173,7 +3173,7 @@
           </a:prstGeom>
         </p:spPr>
         <p:txBody>
-          <a:bodyPr vert="horz" lIns="91440" tIns="45720" rIns="91440" bIns="45720" rtlCol="0" anchor="ctr"/>
+          <a:bodyPr anchor="ctr" bIns="45720" lIns="91440" rIns="91440" rtlCol="0" tIns="45720" vert="horz"/>
           <a:lstStyle>
             <a:lvl1pPr algn="l">
               <a:defRPr sz="1200">
@@ -3201,7 +3201,7 @@
             <a:spLocks noGrp="1"/>
           </p:cNvSpPr>
           <p:nvPr>
-            <p:ph type="ftr" sz="quarter" idx="3"/>
+            <p:ph idx="3" sz="quarter" type="ftr"/>
           </p:nvPr>
         </p:nvSpPr>
         <p:spPr>
@@ -3214,7 +3214,7 @@
           </a:prstGeom>
         </p:spPr>
         <p:txBody>
-          <a:bodyPr vert="horz" lIns="91440" tIns="45720" rIns="91440" bIns="45720" rtlCol="0" anchor="ctr"/>
+          <a:bodyPr anchor="ctr" bIns="45720" lIns="91440" rIns="91440" rtlCol="0" tIns="45720" vert="horz"/>
           <a:lstStyle>
             <a:lvl1pPr algn="ctr">
               <a:defRPr sz="1200">
@@ -3238,7 +3238,7 @@
             <a:spLocks noGrp="1"/>
           </p:cNvSpPr>
           <p:nvPr>
-            <p:ph type="sldNum" sz="quarter" idx="4"/>
+            <p:ph idx="4" sz="quarter" type="sldNum"/>
           </p:nvPr>
         </p:nvSpPr>
         <p:spPr>
@@ -3251,7 +3251,7 @@
           </a:prstGeom>
         </p:spPr>
         <p:txBody>
-          <a:bodyPr vert="horz" lIns="91440" tIns="45720" rIns="91440" bIns="45720" rtlCol="0" anchor="ctr"/>
+          <a:bodyPr anchor="ctr" bIns="45720" lIns="91440" rIns="91440" rtlCol="0" tIns="45720" vert="horz"/>
           <a:lstStyle>
             <a:lvl1pPr algn="r">
               <a:defRPr sz="1200">
@@ -3279,7 +3279,7 @@
       </p:ext>
     </p:extLst>
   </p:cSld>
-  <p:clrMap bg1="lt1" tx1="dk1" bg2="lt2" tx2="dk2" accent1="accent1" accent2="accent2" accent3="accent3" accent4="accent4" accent5="accent5" accent6="accent6" hlink="hlink" folHlink="folHlink"/>
+  <p:clrMap accent1="accent1" accent2="accent2" accent3="accent3" accent4="accent4" accent5="accent5" accent6="accent6" bg1="lt1" bg2="lt2" folHlink="folHlink" hlink="hlink" tx1="dk1" tx2="dk2"/>
   <p:sldLayoutIdLst>
     <p:sldLayoutId id="2147483649" r:id="rId1"/>
     <p:sldLayoutId id="2147483650" r:id="rId2"/>
@@ -3295,12 +3295,12 @@
   </p:sldLayoutIdLst>
   <p:txStyles>
     <p:titleStyle>
-      <a:lvl1pPr algn="ctr" defTabSz="457200" rtl="0" eaLnBrk="1" latinLnBrk="0" hangingPunct="1">
+      <a:lvl1pPr algn="ctr" defTabSz="457200" eaLnBrk="1" hangingPunct="1" latinLnBrk="0" rtl="0">
         <a:spcBef>
           <a:spcPct val="0"/>
         </a:spcBef>
         <a:buNone/>
-        <a:defRPr sz="4400" kern="1200">
+        <a:defRPr kern="1200" sz="4400">
           <a:solidFill>
             <a:schemeClr val="tx1"/>
           </a:solidFill>
@@ -3311,13 +3311,13 @@
       </a:lvl1pPr>
     </p:titleStyle>
     <p:bodyStyle>
-      <a:lvl1pPr marL="342900" indent="-342900" algn="l" defTabSz="457200" rtl="0" eaLnBrk="1" latinLnBrk="0" hangingPunct="1">
+      <a:lvl1pPr algn="l" defTabSz="457200" eaLnBrk="1" hangingPunct="1" indent="-342900" latinLnBrk="0" marL="342900" rtl="0">
         <a:spcBef>
           <a:spcPct val="20000"/>
         </a:spcBef>
         <a:buFont typeface="Arial"/>
         <a:buChar char="•"/>
-        <a:defRPr sz="3200" kern="1200">
+        <a:defRPr kern="1200" sz="3200">
           <a:solidFill>
             <a:schemeClr val="tx1"/>
           </a:solidFill>
@@ -3326,13 +3326,13 @@
           <a:cs typeface="+mn-cs"/>
         </a:defRPr>
       </a:lvl1pPr>
-      <a:lvl2pPr marL="742950" indent="-285750" algn="l" defTabSz="457200" rtl="0" eaLnBrk="1" latinLnBrk="0" hangingPunct="1">
+      <a:lvl2pPr algn="l" defTabSz="457200" eaLnBrk="1" hangingPunct="1" indent="-285750" latinLnBrk="0" marL="742950" rtl="0">
         <a:spcBef>
           <a:spcPct val="20000"/>
         </a:spcBef>
         <a:buFont typeface="Arial"/>
         <a:buChar char="–"/>
-        <a:defRPr sz="2800" kern="1200">
+        <a:defRPr kern="1200" sz="2800">
           <a:solidFill>
             <a:schemeClr val="tx1"/>
           </a:solidFill>
@@ -3341,13 +3341,13 @@
           <a:cs typeface="+mn-cs"/>
         </a:defRPr>
       </a:lvl2pPr>
-      <a:lvl3pPr marL="1143000" indent="-228600" algn="l" defTabSz="457200" rtl="0" eaLnBrk="1" latinLnBrk="0" hangingPunct="1">
+      <a:lvl3pPr algn="l" defTabSz="457200" eaLnBrk="1" hangingPunct="1" indent="-228600" latinLnBrk="0" marL="1143000" rtl="0">
         <a:spcBef>
           <a:spcPct val="20000"/>
         </a:spcBef>
         <a:buFont typeface="Arial"/>
         <a:buChar char="•"/>
-        <a:defRPr sz="2400" kern="1200">
+        <a:defRPr kern="1200" sz="2400">
           <a:solidFill>
             <a:schemeClr val="tx1"/>
           </a:solidFill>
@@ -3356,13 +3356,13 @@
           <a:cs typeface="+mn-cs"/>
         </a:defRPr>
       </a:lvl3pPr>
-      <a:lvl4pPr marL="1600200" indent="-228600" algn="l" defTabSz="457200" rtl="0" eaLnBrk="1" latinLnBrk="0" hangingPunct="1">
+      <a:lvl4pPr algn="l" defTabSz="457200" eaLnBrk="1" hangingPunct="1" indent="-228600" latinLnBrk="0" marL="1600200" rtl="0">
         <a:spcBef>
           <a:spcPct val="20000"/>
         </a:spcBef>
         <a:buFont typeface="Arial"/>
         <a:buChar char="–"/>
-        <a:defRPr sz="2000" kern="1200">
+        <a:defRPr kern="1200" sz="2000">
           <a:solidFill>
             <a:schemeClr val="tx1"/>
           </a:solidFill>
@@ -3371,13 +3371,13 @@
           <a:cs typeface="+mn-cs"/>
         </a:defRPr>
       </a:lvl4pPr>
-      <a:lvl5pPr marL="2057400" indent="-228600" algn="l" defTabSz="457200" rtl="0" eaLnBrk="1" latinLnBrk="0" hangingPunct="1">
+      <a:lvl5pPr algn="l" defTabSz="457200" eaLnBrk="1" hangingPunct="1" indent="-228600" latinLnBrk="0" marL="2057400" rtl="0">
         <a:spcBef>
           <a:spcPct val="20000"/>
         </a:spcBef>
         <a:buFont typeface="Arial"/>
         <a:buChar char="»"/>
-        <a:defRPr sz="2000" kern="1200">
+        <a:defRPr kern="1200" sz="2000">
           <a:solidFill>
             <a:schemeClr val="tx1"/>
           </a:solidFill>
@@ -3386,13 +3386,13 @@
           <a:cs typeface="+mn-cs"/>
         </a:defRPr>
       </a:lvl5pPr>
-      <a:lvl6pPr marL="2514600" indent="-228600" algn="l" defTabSz="457200" rtl="0" eaLnBrk="1" latinLnBrk="0" hangingPunct="1">
+      <a:lvl6pPr algn="l" defTabSz="457200" eaLnBrk="1" hangingPunct="1" indent="-228600" latinLnBrk="0" marL="2514600" rtl="0">
         <a:spcBef>
           <a:spcPct val="20000"/>
         </a:spcBef>
         <a:buFont typeface="Arial"/>
         <a:buChar char="•"/>
-        <a:defRPr sz="2000" kern="1200">
+        <a:defRPr kern="1200" sz="2000">
           <a:solidFill>
             <a:schemeClr val="tx1"/>
           </a:solidFill>
@@ -3401,13 +3401,13 @@
           <a:cs typeface="+mn-cs"/>
         </a:defRPr>
       </a:lvl6pPr>
-      <a:lvl7pPr marL="2971800" indent="-228600" algn="l" defTabSz="457200" rtl="0" eaLnBrk="1" latinLnBrk="0" hangingPunct="1">
+      <a:lvl7pPr algn="l" defTabSz="457200" eaLnBrk="1" hangingPunct="1" indent="-228600" latinLnBrk="0" marL="2971800" rtl="0">
         <a:spcBef>
           <a:spcPct val="20000"/>
         </a:spcBef>
         <a:buFont typeface="Arial"/>
         <a:buChar char="•"/>
-        <a:defRPr sz="2000" kern="1200">
+        <a:defRPr kern="1200" sz="2000">
           <a:solidFill>
             <a:schemeClr val="tx1"/>
           </a:solidFill>
@@ -3416,13 +3416,13 @@
           <a:cs typeface="+mn-cs"/>
         </a:defRPr>
       </a:lvl7pPr>
-      <a:lvl8pPr marL="3429000" indent="-228600" algn="l" defTabSz="457200" rtl="0" eaLnBrk="1" latinLnBrk="0" hangingPunct="1">
+      <a:lvl8pPr algn="l" defTabSz="457200" eaLnBrk="1" hangingPunct="1" indent="-228600" latinLnBrk="0" marL="3429000" rtl="0">
         <a:spcBef>
           <a:spcPct val="20000"/>
         </a:spcBef>
         <a:buFont typeface="Arial"/>
         <a:buChar char="•"/>
-        <a:defRPr sz="2000" kern="1200">
+        <a:defRPr kern="1200" sz="2000">
           <a:solidFill>
             <a:schemeClr val="tx1"/>
           </a:solidFill>
@@ -3431,13 +3431,13 @@
           <a:cs typeface="+mn-cs"/>
         </a:defRPr>
       </a:lvl8pPr>
-      <a:lvl9pPr marL="3886200" indent="-228600" algn="l" defTabSz="457200" rtl="0" eaLnBrk="1" latinLnBrk="0" hangingPunct="1">
+      <a:lvl9pPr algn="l" defTabSz="457200" eaLnBrk="1" hangingPunct="1" indent="-228600" latinLnBrk="0" marL="3886200" rtl="0">
         <a:spcBef>
           <a:spcPct val="20000"/>
         </a:spcBef>
         <a:buFont typeface="Arial"/>
         <a:buChar char="•"/>
-        <a:defRPr sz="2000" kern="1200">
+        <a:defRPr kern="1200" sz="2000">
           <a:solidFill>
             <a:schemeClr val="tx1"/>
           </a:solidFill>
@@ -3451,8 +3451,8 @@
       <a:defPPr>
         <a:defRPr lang="en-US"/>
       </a:defPPr>
-      <a:lvl1pPr marL="0" algn="l" defTabSz="457200" rtl="0" eaLnBrk="1" latinLnBrk="0" hangingPunct="1">
-        <a:defRPr sz="1800" kern="1200">
+      <a:lvl1pPr algn="l" defTabSz="457200" eaLnBrk="1" hangingPunct="1" latinLnBrk="0" marL="0" rtl="0">
+        <a:defRPr kern="1200" sz="1800">
           <a:solidFill>
             <a:schemeClr val="tx1"/>
           </a:solidFill>
@@ -3461,8 +3461,8 @@
           <a:cs typeface="+mn-cs"/>
         </a:defRPr>
       </a:lvl1pPr>
-      <a:lvl2pPr marL="457200" algn="l" defTabSz="457200" rtl="0" eaLnBrk="1" latinLnBrk="0" hangingPunct="1">
-        <a:defRPr sz="1800" kern="1200">
+      <a:lvl2pPr algn="l" defTabSz="457200" eaLnBrk="1" hangingPunct="1" latinLnBrk="0" marL="457200" rtl="0">
+        <a:defRPr kern="1200" sz="1800">
           <a:solidFill>
             <a:schemeClr val="tx1"/>
           </a:solidFill>
@@ -3471,8 +3471,8 @@
           <a:cs typeface="+mn-cs"/>
         </a:defRPr>
       </a:lvl2pPr>
-      <a:lvl3pPr marL="914400" algn="l" defTabSz="457200" rtl="0" eaLnBrk="1" latinLnBrk="0" hangingPunct="1">
-        <a:defRPr sz="1800" kern="1200">
+      <a:lvl3pPr algn="l" defTabSz="457200" eaLnBrk="1" hangingPunct="1" latinLnBrk="0" marL="914400" rtl="0">
+        <a:defRPr kern="1200" sz="1800">
           <a:solidFill>
             <a:schemeClr val="tx1"/>
           </a:solidFill>
@@ -3481,8 +3481,8 @@
           <a:cs typeface="+mn-cs"/>
         </a:defRPr>
       </a:lvl3pPr>
-      <a:lvl4pPr marL="1371600" algn="l" defTabSz="457200" rtl="0" eaLnBrk="1" latinLnBrk="0" hangingPunct="1">
-        <a:defRPr sz="1800" kern="1200">
+      <a:lvl4pPr algn="l" defTabSz="457200" eaLnBrk="1" hangingPunct="1" latinLnBrk="0" marL="1371600" rtl="0">
+        <a:defRPr kern="1200" sz="1800">
           <a:solidFill>
             <a:schemeClr val="tx1"/>
           </a:solidFill>
@@ -3491,8 +3491,8 @@
           <a:cs typeface="+mn-cs"/>
         </a:defRPr>
       </a:lvl4pPr>
-      <a:lvl5pPr marL="1828800" algn="l" defTabSz="457200" rtl="0" eaLnBrk="1" latinLnBrk="0" hangingPunct="1">
-        <a:defRPr sz="1800" kern="1200">
+      <a:lvl5pPr algn="l" defTabSz="457200" eaLnBrk="1" hangingPunct="1" latinLnBrk="0" marL="1828800" rtl="0">
+        <a:defRPr kern="1200" sz="1800">
           <a:solidFill>
             <a:schemeClr val="tx1"/>
           </a:solidFill>
@@ -3501,8 +3501,8 @@
           <a:cs typeface="+mn-cs"/>
         </a:defRPr>
       </a:lvl5pPr>
-      <a:lvl6pPr marL="2286000" algn="l" defTabSz="457200" rtl="0" eaLnBrk="1" latinLnBrk="0" hangingPunct="1">
-        <a:defRPr sz="1800" kern="1200">
+      <a:lvl6pPr algn="l" defTabSz="457200" eaLnBrk="1" hangingPunct="1" latinLnBrk="0" marL="2286000" rtl="0">
+        <a:defRPr kern="1200" sz="1800">
           <a:solidFill>
             <a:schemeClr val="tx1"/>
           </a:solidFill>
@@ -3511,8 +3511,8 @@
           <a:cs typeface="+mn-cs"/>
         </a:defRPr>
       </a:lvl6pPr>
-      <a:lvl7pPr marL="2743200" algn="l" defTabSz="457200" rtl="0" eaLnBrk="1" latinLnBrk="0" hangingPunct="1">
-        <a:defRPr sz="1800" kern="1200">
+      <a:lvl7pPr algn="l" defTabSz="457200" eaLnBrk="1" hangingPunct="1" latinLnBrk="0" marL="2743200" rtl="0">
+        <a:defRPr kern="1200" sz="1800">
           <a:solidFill>
             <a:schemeClr val="tx1"/>
           </a:solidFill>
@@ -3521,8 +3521,8 @@
           <a:cs typeface="+mn-cs"/>
         </a:defRPr>
       </a:lvl7pPr>
-      <a:lvl8pPr marL="3200400" algn="l" defTabSz="457200" rtl="0" eaLnBrk="1" latinLnBrk="0" hangingPunct="1">
-        <a:defRPr sz="1800" kern="1200">
+      <a:lvl8pPr algn="l" defTabSz="457200" eaLnBrk="1" hangingPunct="1" latinLnBrk="0" marL="3200400" rtl="0">
+        <a:defRPr kern="1200" sz="1800">
           <a:solidFill>
             <a:schemeClr val="tx1"/>
           </a:solidFill>
@@ -3531,8 +3531,8 @@
           <a:cs typeface="+mn-cs"/>
         </a:defRPr>
       </a:lvl8pPr>
-      <a:lvl9pPr marL="3657600" algn="l" defTabSz="457200" rtl="0" eaLnBrk="1" latinLnBrk="0" hangingPunct="1">
-        <a:defRPr sz="1800" kern="1200">
+      <a:lvl9pPr algn="l" defTabSz="457200" eaLnBrk="1" hangingPunct="1" latinLnBrk="0" marL="3657600" rtl="0">
+        <a:defRPr kern="1200" sz="1800">
           <a:solidFill>
             <a:schemeClr val="tx1"/>
           </a:solidFill>

--- a/test/pptx/speaker-notes-after-metadata/output.pptx
+++ b/test/pptx/speaker-notes-after-metadata/output.pptx
@@ -521,7 +521,7 @@
           <a:bodyPr/>
           <a:lstStyle/>
           <a:p>
-            <a:pPr lvl="0" marL="0" indent="0">
+            <a:pPr lvl="0" indent="0" marL="0">
               <a:buNone/>
             </a:pPr>
             <a:r>
@@ -3295,7 +3295,7 @@
       </a:lvl1pPr>
     </p:titleStyle>
     <p:bodyStyle>
-      <a:lvl1pPr algn="l" defTabSz="457200" eaLnBrk="1" hangingPunct="1" indent="-342900" latinLnBrk="0" marL="342900" rtl="0">
+      <a:lvl1pPr algn="l" defTabSz="457200" eaLnBrk="1" hangingPunct="1" indent="-457200" latinLnBrk="0" marL="457200" rtl="0">
         <a:spcBef>
           <a:spcPct val="20000"/>
         </a:spcBef>
@@ -3310,7 +3310,7 @@
           <a:cs typeface="+mn-cs"/>
         </a:defRPr>
       </a:lvl1pPr>
-      <a:lvl2pPr algn="l" defTabSz="457200" eaLnBrk="1" hangingPunct="1" indent="-285750" latinLnBrk="0" marL="742950" rtl="0">
+      <a:lvl2pPr algn="l" defTabSz="457200" eaLnBrk="1" hangingPunct="1" indent="-457200" latinLnBrk="0" marL="914400" rtl="0">
         <a:spcBef>
           <a:spcPct val="20000"/>
         </a:spcBef>
@@ -3325,7 +3325,7 @@
           <a:cs typeface="+mn-cs"/>
         </a:defRPr>
       </a:lvl2pPr>
-      <a:lvl3pPr algn="l" defTabSz="457200" eaLnBrk="1" hangingPunct="1" indent="-228600" latinLnBrk="0" marL="1143000" rtl="0">
+      <a:lvl3pPr algn="l" defTabSz="457200" eaLnBrk="1" hangingPunct="1" indent="-457200" latinLnBrk="0" marL="1371600" rtl="0">
         <a:spcBef>
           <a:spcPct val="20000"/>
         </a:spcBef>
@@ -3340,7 +3340,7 @@
           <a:cs typeface="+mn-cs"/>
         </a:defRPr>
       </a:lvl3pPr>
-      <a:lvl4pPr algn="l" defTabSz="457200" eaLnBrk="1" hangingPunct="1" indent="-228600" latinLnBrk="0" marL="1600200" rtl="0">
+      <a:lvl4pPr algn="l" defTabSz="457200" eaLnBrk="1" hangingPunct="1" indent="-457200" latinLnBrk="0" marL="1828800" rtl="0">
         <a:spcBef>
           <a:spcPct val="20000"/>
         </a:spcBef>
@@ -3355,7 +3355,7 @@
           <a:cs typeface="+mn-cs"/>
         </a:defRPr>
       </a:lvl4pPr>
-      <a:lvl5pPr algn="l" defTabSz="457200" eaLnBrk="1" hangingPunct="1" indent="-228600" latinLnBrk="0" marL="2057400" rtl="0">
+      <a:lvl5pPr algn="l" defTabSz="457200" eaLnBrk="1" hangingPunct="1" indent="-457200" latinLnBrk="0" marL="2286000" rtl="0">
         <a:spcBef>
           <a:spcPct val="20000"/>
         </a:spcBef>
@@ -3370,7 +3370,7 @@
           <a:cs typeface="+mn-cs"/>
         </a:defRPr>
       </a:lvl5pPr>
-      <a:lvl6pPr algn="l" defTabSz="457200" eaLnBrk="1" hangingPunct="1" indent="-228600" latinLnBrk="0" marL="2514600" rtl="0">
+      <a:lvl6pPr algn="l" defTabSz="457200" eaLnBrk="1" hangingPunct="1" indent="-457200" latinLnBrk="0" marL="2743200" rtl="0">
         <a:spcBef>
           <a:spcPct val="20000"/>
         </a:spcBef>
@@ -3385,7 +3385,7 @@
           <a:cs typeface="+mn-cs"/>
         </a:defRPr>
       </a:lvl6pPr>
-      <a:lvl7pPr algn="l" defTabSz="457200" eaLnBrk="1" hangingPunct="1" indent="-228600" latinLnBrk="0" marL="2971800" rtl="0">
+      <a:lvl7pPr algn="l" defTabSz="457200" eaLnBrk="1" hangingPunct="1" indent="-457200" latinLnBrk="0" marL="3200400" rtl="0">
         <a:spcBef>
           <a:spcPct val="20000"/>
         </a:spcBef>
@@ -3400,7 +3400,7 @@
           <a:cs typeface="+mn-cs"/>
         </a:defRPr>
       </a:lvl7pPr>
-      <a:lvl8pPr algn="l" defTabSz="457200" eaLnBrk="1" hangingPunct="1" indent="-228600" latinLnBrk="0" marL="3429000" rtl="0">
+      <a:lvl8pPr algn="l" defTabSz="457200" eaLnBrk="1" hangingPunct="1" indent="-457200" latinLnBrk="0" marL="3657600" rtl="0">
         <a:spcBef>
           <a:spcPct val="20000"/>
         </a:spcBef>
@@ -3415,7 +3415,7 @@
           <a:cs typeface="+mn-cs"/>
         </a:defRPr>
       </a:lvl8pPr>
-      <a:lvl9pPr algn="l" defTabSz="457200" eaLnBrk="1" hangingPunct="1" indent="-228600" latinLnBrk="0" marL="3886200" rtl="0">
+      <a:lvl9pPr algn="l" defTabSz="457200" eaLnBrk="1" hangingPunct="1" indent="-457200" latinLnBrk="0" marL="4114800" rtl="0">
         <a:spcBef>
           <a:spcPct val="20000"/>
         </a:spcBef>
@@ -3567,7 +3567,7 @@
           <a:bodyPr/>
           <a:lstStyle/>
           <a:p>
-            <a:pPr lvl="0" marL="0" indent="0">
+            <a:pPr lvl="0" indent="0" marL="0">
               <a:buNone/>
             </a:pPr>
             <a:r>
@@ -3597,7 +3597,7 @@
           <a:bodyPr/>
           <a:lstStyle/>
           <a:p>
-            <a:pPr lvl="0" marL="0" indent="0">
+            <a:pPr lvl="0" indent="0" marL="0">
               <a:buNone/>
             </a:pPr>
             <a:br/>
@@ -3646,7 +3646,7 @@
           <a:bodyPr/>
           <a:lstStyle/>
           <a:p>
-            <a:pPr lvl="0" marL="0" indent="0">
+            <a:pPr lvl="0" indent="0" marL="0">
               <a:buNone/>
             </a:pPr>
             <a:r>
@@ -3671,7 +3671,7 @@
           <a:bodyPr/>
           <a:lstStyle/>
           <a:p>
-            <a:pPr lvl="0" marL="0" indent="0">
+            <a:pPr lvl="0" indent="0" marL="0">
               <a:buNone/>
             </a:pPr>
             <a:r>

--- a/test/pptx/speaker-notes-after-metadata/output.pptx
+++ b/test/pptx/speaker-notes-after-metadata/output.pptx
@@ -526,23 +526,7 @@
             </a:pPr>
             <a:r>
               <a:rPr/>
-              <a:t>Some</a:t>
-            </a:r>
-            <a:r>
-              <a:rPr/>
-              <a:t> </a:t>
-            </a:r>
-            <a:r>
-              <a:rPr/>
-              <a:t>speaker</a:t>
-            </a:r>
-            <a:r>
-              <a:rPr/>
-              <a:t> </a:t>
-            </a:r>
-            <a:r>
-              <a:rPr/>
-              <a:t>notes</a:t>
+              <a:t>Some speaker notes</a:t>
             </a:r>
           </a:p>
         </p:txBody>
@@ -3620,15 +3604,7 @@
             <a:br/>
             <a:r>
               <a:rPr/>
-              <a:t>Jesse</a:t>
-            </a:r>
-            <a:r>
-              <a:rPr/>
-              <a:t> </a:t>
-            </a:r>
-            <a:r>
-              <a:rPr/>
-              <a:t>Rosenthal</a:t>
+              <a:t>Jesse Rosenthal</a:t>
             </a:r>
           </a:p>
         </p:txBody>
@@ -3675,15 +3651,7 @@
             </a:pPr>
             <a:r>
               <a:rPr/>
-              <a:t>A</a:t>
-            </a:r>
-            <a:r>
-              <a:rPr/>
-              <a:t> </a:t>
-            </a:r>
-            <a:r>
-              <a:rPr/>
-              <a:t>header</a:t>
+              <a:t>A header</a:t>
             </a:r>
           </a:p>
         </p:txBody>

--- a/test/pptx/speaker-notes-after-metadata/output.pptx
+++ b/test/pptx/speaker-notes-after-metadata/output.pptx
@@ -526,19 +526,11 @@
             </a:pPr>
             <a:r>
               <a:rPr/>
-              <a:t>Some</a:t>
+              <a:t>Some </a:t>
             </a:r>
             <a:r>
               <a:rPr/>
-              <a:t> </a:t>
-            </a:r>
-            <a:r>
-              <a:rPr/>
-              <a:t>speaker</a:t>
-            </a:r>
-            <a:r>
-              <a:rPr/>
-              <a:t> </a:t>
+              <a:t>speaker </a:t>
             </a:r>
             <a:r>
               <a:rPr/>
@@ -3620,11 +3612,7 @@
             <a:br/>
             <a:r>
               <a:rPr/>
-              <a:t>Jesse</a:t>
-            </a:r>
-            <a:r>
-              <a:rPr/>
-              <a:t> </a:t>
+              <a:t>Jesse </a:t>
             </a:r>
             <a:r>
               <a:rPr/>
@@ -3675,11 +3663,7 @@
             </a:pPr>
             <a:r>
               <a:rPr/>
-              <a:t>A</a:t>
-            </a:r>
-            <a:r>
-              <a:rPr/>
-              <a:t> </a:t>
+              <a:t>A </a:t>
             </a:r>
             <a:r>
               <a:rPr/>

--- a/test/pptx/speaker-notes-after-metadata/output.pptx
+++ b/test/pptx/speaker-notes-after-metadata/output.pptx
@@ -526,11 +526,19 @@
             </a:pPr>
             <a:r>
               <a:rPr/>
-              <a:t>Some </a:t>
+              <a:t>Some</a:t>
             </a:r>
             <a:r>
               <a:rPr/>
-              <a:t>speaker </a:t>
+              <a:t> </a:t>
+            </a:r>
+            <a:r>
+              <a:rPr/>
+              <a:t>speaker</a:t>
+            </a:r>
+            <a:r>
+              <a:rPr/>
+              <a:t> </a:t>
             </a:r>
             <a:r>
               <a:rPr/>
@@ -3612,7 +3620,11 @@
             <a:br/>
             <a:r>
               <a:rPr/>
-              <a:t>Jesse </a:t>
+              <a:t>Jesse</a:t>
+            </a:r>
+            <a:r>
+              <a:rPr/>
+              <a:t> </a:t>
             </a:r>
             <a:r>
               <a:rPr/>
@@ -3663,7 +3675,11 @@
             </a:pPr>
             <a:r>
               <a:rPr/>
-              <a:t>A </a:t>
+              <a:t>A</a:t>
+            </a:r>
+            <a:r>
+              <a:rPr/>
+              <a:t> </a:t>
             </a:r>
             <a:r>
               <a:rPr/>

--- a/test/pptx/speaker-notes-after-metadata/output.pptx
+++ b/test/pptx/speaker-notes-after-metadata/output.pptx
@@ -11,7 +11,7 @@
     <p:sldId id="256" r:id="rId2"/>
     <p:sldId id="257" r:id="rId3"/>
   </p:sldIdLst>
-  <p:sldSz cx="9144000" cy="6858000" type="screen4x3"/>
+  <p:sldSz cx="9144000" cy="5143500" type="screen16x9"/>
   <p:notesSz cx="6858000" cy="9144000"/>
   <p:defaultTextStyle>
     <a:defPPr>
@@ -111,12 +111,12 @@
   <p:extLst>
     <p:ext uri="{EFAFB233-063F-42B5-8137-9DF3F51BA10A}">
       <p15:sldGuideLst xmlns:p15="http://schemas.microsoft.com/office/powerpoint/2012/main">
-        <p15:guide id="1" orient="horz" pos="2160">
+        <p15:guide id="1" orient="horz" pos="1620" userDrawn="1">
           <p15:clr>
             <a:srgbClr val="A4A3A4"/>
           </p15:clr>
         </p15:guide>
-        <p15:guide id="2" pos="2880">
+        <p15:guide id="2" pos="2880" userDrawn="1">
           <p15:clr>
             <a:srgbClr val="A4A3A4"/>
           </p15:clr>
@@ -209,7 +209,7 @@
           <a:p>
             <a:fld id="{0F9C1CCF-B725-44A7-AA57-5E433BD85C9F}" type="datetimeFigureOut">
               <a:rPr lang="en-US" smtClean="0"/>
-              <a:t>4/5/2019</a:t>
+              <a:t>1/2/22</a:t>
             </a:fld>
             <a:endParaRPr lang="en-US"/>
           </a:p>
@@ -227,8 +227,8 @@
         </p:nvSpPr>
         <p:spPr>
           <a:xfrm>
-            <a:off x="1371600" y="1143000"/>
-            <a:ext cx="4114800" cy="3086100"/>
+            <a:off x="685800" y="1143000"/>
+            <a:ext cx="5486400" cy="3086100"/>
           </a:xfrm>
           <a:prstGeom prst="rect">
             <a:avLst/>
@@ -273,38 +273,37 @@
           <a:p>
             <a:pPr lvl="0"/>
             <a:r>
-              <a:rPr lang="en-US" smtClean="0"/>
+              <a:rPr lang="en-US"/>
               <a:t>Click to edit Master text styles</a:t>
             </a:r>
           </a:p>
           <a:p>
             <a:pPr lvl="1"/>
             <a:r>
-              <a:rPr lang="en-US" smtClean="0"/>
+              <a:rPr lang="en-US"/>
               <a:t>Second level</a:t>
             </a:r>
           </a:p>
           <a:p>
             <a:pPr lvl="2"/>
             <a:r>
-              <a:rPr lang="en-US" smtClean="0"/>
+              <a:rPr lang="en-US"/>
               <a:t>Third level</a:t>
             </a:r>
           </a:p>
           <a:p>
             <a:pPr lvl="3"/>
             <a:r>
-              <a:rPr lang="en-US" smtClean="0"/>
+              <a:rPr lang="en-US"/>
               <a:t>Fourth level</a:t>
             </a:r>
           </a:p>
           <a:p>
             <a:pPr lvl="4"/>
             <a:r>
-              <a:rPr lang="en-US" smtClean="0"/>
+              <a:rPr lang="en-US"/>
               <a:t>Fifth level</a:t>
             </a:r>
-            <a:endParaRPr lang="en-US"/>
           </a:p>
         </p:txBody>
       </p:sp>
@@ -588,8 +587,8 @@
         </p:nvSpPr>
         <p:spPr>
           <a:xfrm>
-            <a:off x="685800" y="2130425"/>
-            <a:ext cx="7772400" cy="1470025"/>
+            <a:off x="685800" y="1597819"/>
+            <a:ext cx="7772400" cy="1102519"/>
           </a:xfrm>
         </p:spPr>
         <p:txBody>
@@ -597,10 +596,9 @@
           <a:lstStyle/>
           <a:p>
             <a:r>
-              <a:rPr lang="en-US" smtClean="0"/>
+              <a:rPr lang="en-US"/>
               <a:t>Click to edit Master title style</a:t>
             </a:r>
-            <a:endParaRPr lang="en-US"/>
           </a:p>
         </p:txBody>
       </p:sp>
@@ -616,8 +614,8 @@
         </p:nvSpPr>
         <p:spPr>
           <a:xfrm>
-            <a:off x="1371600" y="3886200"/>
-            <a:ext cx="6400800" cy="1752600"/>
+            <a:off x="1371600" y="2914650"/>
+            <a:ext cx="6400800" cy="1314450"/>
           </a:xfrm>
         </p:spPr>
         <p:txBody>
@@ -633,7 +631,7 @@
                 </a:solidFill>
               </a:defRPr>
             </a:lvl1pPr>
-            <a:lvl2pPr marL="457200" indent="0" algn="ctr">
+            <a:lvl2pPr marL="342900" indent="0" algn="ctr">
               <a:buNone/>
               <a:defRPr>
                 <a:solidFill>
@@ -643,7 +641,7 @@
                 </a:solidFill>
               </a:defRPr>
             </a:lvl2pPr>
-            <a:lvl3pPr marL="914400" indent="0" algn="ctr">
+            <a:lvl3pPr marL="685800" indent="0" algn="ctr">
               <a:buNone/>
               <a:defRPr>
                 <a:solidFill>
@@ -653,7 +651,7 @@
                 </a:solidFill>
               </a:defRPr>
             </a:lvl3pPr>
-            <a:lvl4pPr marL="1371600" indent="0" algn="ctr">
+            <a:lvl4pPr marL="1028700" indent="0" algn="ctr">
               <a:buNone/>
               <a:defRPr>
                 <a:solidFill>
@@ -663,7 +661,7 @@
                 </a:solidFill>
               </a:defRPr>
             </a:lvl4pPr>
-            <a:lvl5pPr marL="1828800" indent="0" algn="ctr">
+            <a:lvl5pPr marL="1371600" indent="0" algn="ctr">
               <a:buNone/>
               <a:defRPr>
                 <a:solidFill>
@@ -673,7 +671,7 @@
                 </a:solidFill>
               </a:defRPr>
             </a:lvl5pPr>
-            <a:lvl6pPr marL="2286000" indent="0" algn="ctr">
+            <a:lvl6pPr marL="1714500" indent="0" algn="ctr">
               <a:buNone/>
               <a:defRPr>
                 <a:solidFill>
@@ -683,7 +681,7 @@
                 </a:solidFill>
               </a:defRPr>
             </a:lvl6pPr>
-            <a:lvl7pPr marL="2743200" indent="0" algn="ctr">
+            <a:lvl7pPr marL="2057400" indent="0" algn="ctr">
               <a:buNone/>
               <a:defRPr>
                 <a:solidFill>
@@ -693,7 +691,7 @@
                 </a:solidFill>
               </a:defRPr>
             </a:lvl7pPr>
-            <a:lvl8pPr marL="3200400" indent="0" algn="ctr">
+            <a:lvl8pPr marL="2400300" indent="0" algn="ctr">
               <a:buNone/>
               <a:defRPr>
                 <a:solidFill>
@@ -703,7 +701,7 @@
                 </a:solidFill>
               </a:defRPr>
             </a:lvl8pPr>
-            <a:lvl9pPr marL="3657600" indent="0" algn="ctr">
+            <a:lvl9pPr marL="2743200" indent="0" algn="ctr">
               <a:buNone/>
               <a:defRPr>
                 <a:solidFill>
@@ -716,10 +714,9 @@
           </a:lstStyle>
           <a:p>
             <a:r>
-              <a:rPr lang="en-US" smtClean="0"/>
+              <a:rPr lang="en-US"/>
               <a:t>Click to edit Master subtitle style</a:t>
             </a:r>
-            <a:endParaRPr lang="en-US"/>
           </a:p>
         </p:txBody>
       </p:sp>
@@ -740,7 +737,7 @@
           <a:p>
             <a:fld id="{241EB5C9-1307-BA42-ABA2-0BC069CD8E7F}" type="datetimeFigureOut">
               <a:rPr lang="en-US" smtClean="0"/>
-              <a:t>4/5/2019</a:t>
+              <a:t>1/2/22</a:t>
             </a:fld>
             <a:endParaRPr lang="en-US"/>
           </a:p>
@@ -834,10 +831,9 @@
           <a:lstStyle/>
           <a:p>
             <a:r>
-              <a:rPr lang="en-US" smtClean="0"/>
+              <a:rPr lang="en-US"/>
               <a:t>Click to edit Master title style</a:t>
             </a:r>
-            <a:endParaRPr lang="en-US"/>
           </a:p>
         </p:txBody>
       </p:sp>
@@ -858,38 +854,37 @@
           <a:p>
             <a:pPr lvl="0"/>
             <a:r>
-              <a:rPr lang="en-US" smtClean="0"/>
+              <a:rPr lang="en-US"/>
               <a:t>Click to edit Master text styles</a:t>
             </a:r>
           </a:p>
           <a:p>
             <a:pPr lvl="1"/>
             <a:r>
-              <a:rPr lang="en-US" smtClean="0"/>
+              <a:rPr lang="en-US"/>
               <a:t>Second level</a:t>
             </a:r>
           </a:p>
           <a:p>
             <a:pPr lvl="2"/>
             <a:r>
-              <a:rPr lang="en-US" smtClean="0"/>
+              <a:rPr lang="en-US"/>
               <a:t>Third level</a:t>
             </a:r>
           </a:p>
           <a:p>
             <a:pPr lvl="3"/>
             <a:r>
-              <a:rPr lang="en-US" smtClean="0"/>
+              <a:rPr lang="en-US"/>
               <a:t>Fourth level</a:t>
             </a:r>
           </a:p>
           <a:p>
             <a:pPr lvl="4"/>
             <a:r>
-              <a:rPr lang="en-US" smtClean="0"/>
+              <a:rPr lang="en-US"/>
               <a:t>Fifth level</a:t>
             </a:r>
-            <a:endParaRPr lang="en-US"/>
           </a:p>
         </p:txBody>
       </p:sp>
@@ -910,7 +905,7 @@
           <a:p>
             <a:fld id="{241EB5C9-1307-BA42-ABA2-0BC069CD8E7F}" type="datetimeFigureOut">
               <a:rPr lang="en-US" smtClean="0"/>
-              <a:t>4/5/2019</a:t>
+              <a:t>1/2/22</a:t>
             </a:fld>
             <a:endParaRPr lang="en-US"/>
           </a:p>
@@ -1000,8 +995,8 @@
         </p:nvSpPr>
         <p:spPr>
           <a:xfrm>
-            <a:off x="6629400" y="274638"/>
-            <a:ext cx="2057400" cy="5851525"/>
+            <a:off x="6629400" y="205979"/>
+            <a:ext cx="2057400" cy="4388644"/>
           </a:xfrm>
         </p:spPr>
         <p:txBody>
@@ -1009,10 +1004,9 @@
           <a:lstStyle/>
           <a:p>
             <a:r>
-              <a:rPr lang="en-US" smtClean="0"/>
+              <a:rPr lang="en-US"/>
               <a:t>Click to edit Master title style</a:t>
             </a:r>
-            <a:endParaRPr lang="en-US"/>
           </a:p>
         </p:txBody>
       </p:sp>
@@ -1028,8 +1022,8 @@
         </p:nvSpPr>
         <p:spPr>
           <a:xfrm>
-            <a:off x="457200" y="274638"/>
-            <a:ext cx="6019800" cy="5851525"/>
+            <a:off x="457200" y="205979"/>
+            <a:ext cx="6019800" cy="4388644"/>
           </a:xfrm>
         </p:spPr>
         <p:txBody>
@@ -1038,38 +1032,37 @@
           <a:p>
             <a:pPr lvl="0"/>
             <a:r>
-              <a:rPr lang="en-US" smtClean="0"/>
+              <a:rPr lang="en-US"/>
               <a:t>Click to edit Master text styles</a:t>
             </a:r>
           </a:p>
           <a:p>
             <a:pPr lvl="1"/>
             <a:r>
-              <a:rPr lang="en-US" smtClean="0"/>
+              <a:rPr lang="en-US"/>
               <a:t>Second level</a:t>
             </a:r>
           </a:p>
           <a:p>
             <a:pPr lvl="2"/>
             <a:r>
-              <a:rPr lang="en-US" smtClean="0"/>
+              <a:rPr lang="en-US"/>
               <a:t>Third level</a:t>
             </a:r>
           </a:p>
           <a:p>
             <a:pPr lvl="3"/>
             <a:r>
-              <a:rPr lang="en-US" smtClean="0"/>
+              <a:rPr lang="en-US"/>
               <a:t>Fourth level</a:t>
             </a:r>
           </a:p>
           <a:p>
             <a:pPr lvl="4"/>
             <a:r>
-              <a:rPr lang="en-US" smtClean="0"/>
+              <a:rPr lang="en-US"/>
               <a:t>Fifth level</a:t>
             </a:r>
-            <a:endParaRPr lang="en-US"/>
           </a:p>
         </p:txBody>
       </p:sp>
@@ -1090,7 +1083,7 @@
           <a:p>
             <a:fld id="{241EB5C9-1307-BA42-ABA2-0BC069CD8E7F}" type="datetimeFigureOut">
               <a:rPr lang="en-US" smtClean="0"/>
-              <a:t>4/5/2019</a:t>
+              <a:t>1/2/22</a:t>
             </a:fld>
             <a:endParaRPr lang="en-US"/>
           </a:p>
@@ -1184,10 +1177,9 @@
           <a:lstStyle/>
           <a:p>
             <a:r>
-              <a:rPr lang="en-US" smtClean="0"/>
+              <a:rPr lang="en-US"/>
               <a:t>Click to edit Master title style</a:t>
             </a:r>
-            <a:endParaRPr lang="en-US"/>
           </a:p>
         </p:txBody>
       </p:sp>
@@ -1208,38 +1200,37 @@
           <a:p>
             <a:pPr lvl="0"/>
             <a:r>
-              <a:rPr lang="en-US" smtClean="0"/>
+              <a:rPr lang="en-US"/>
               <a:t>Click to edit Master text styles</a:t>
             </a:r>
           </a:p>
           <a:p>
             <a:pPr lvl="1"/>
             <a:r>
-              <a:rPr lang="en-US" smtClean="0"/>
+              <a:rPr lang="en-US"/>
               <a:t>Second level</a:t>
             </a:r>
           </a:p>
           <a:p>
             <a:pPr lvl="2"/>
             <a:r>
-              <a:rPr lang="en-US" smtClean="0"/>
+              <a:rPr lang="en-US"/>
               <a:t>Third level</a:t>
             </a:r>
           </a:p>
           <a:p>
             <a:pPr lvl="3"/>
             <a:r>
-              <a:rPr lang="en-US" smtClean="0"/>
+              <a:rPr lang="en-US"/>
               <a:t>Fourth level</a:t>
             </a:r>
           </a:p>
           <a:p>
             <a:pPr lvl="4"/>
             <a:r>
-              <a:rPr lang="en-US" smtClean="0"/>
+              <a:rPr lang="en-US"/>
               <a:t>Fifth level</a:t>
             </a:r>
-            <a:endParaRPr lang="en-US"/>
           </a:p>
         </p:txBody>
       </p:sp>
@@ -1260,7 +1251,7 @@
           <a:p>
             <a:fld id="{241EB5C9-1307-BA42-ABA2-0BC069CD8E7F}" type="datetimeFigureOut">
               <a:rPr lang="en-US" smtClean="0"/>
-              <a:t>4/5/2019</a:t>
+              <a:t>1/2/22</a:t>
             </a:fld>
             <a:endParaRPr lang="en-US"/>
           </a:p>
@@ -1350,23 +1341,22 @@
         </p:nvSpPr>
         <p:spPr>
           <a:xfrm>
-            <a:off x="722313" y="4406900"/>
-            <a:ext cx="7772400" cy="1362075"/>
+            <a:off x="722313" y="3305176"/>
+            <a:ext cx="7772400" cy="1021556"/>
           </a:xfrm>
         </p:spPr>
         <p:txBody>
           <a:bodyPr anchor="t"/>
           <a:lstStyle>
             <a:lvl1pPr algn="l">
-              <a:defRPr sz="4000" b="1" cap="all"/>
+              <a:defRPr sz="3000" b="1" cap="all"/>
             </a:lvl1pPr>
           </a:lstStyle>
           <a:p>
             <a:r>
-              <a:rPr lang="en-US" smtClean="0"/>
+              <a:rPr lang="en-US"/>
               <a:t>Click to edit Master title style</a:t>
             </a:r>
-            <a:endParaRPr lang="en-US"/>
           </a:p>
         </p:txBody>
       </p:sp>
@@ -1382,8 +1372,8 @@
         </p:nvSpPr>
         <p:spPr>
           <a:xfrm>
-            <a:off x="722313" y="2906713"/>
-            <a:ext cx="7772400" cy="1500187"/>
+            <a:off x="722313" y="2180035"/>
+            <a:ext cx="7772400" cy="1125140"/>
           </a:xfrm>
         </p:spPr>
         <p:txBody>
@@ -1391,7 +1381,7 @@
           <a:lstStyle>
             <a:lvl1pPr marL="0" indent="0">
               <a:buNone/>
-              <a:defRPr sz="2000">
+              <a:defRPr sz="1500">
                 <a:solidFill>
                   <a:schemeClr val="tx1">
                     <a:tint val="75000"/>
@@ -1399,9 +1389,9 @@
                 </a:solidFill>
               </a:defRPr>
             </a:lvl1pPr>
-            <a:lvl2pPr marL="457200" indent="0">
-              <a:buNone/>
-              <a:defRPr sz="1800">
+            <a:lvl2pPr marL="342900" indent="0">
+              <a:buNone/>
+              <a:defRPr sz="1350">
                 <a:solidFill>
                   <a:schemeClr val="tx1">
                     <a:tint val="75000"/>
@@ -1409,9 +1399,9 @@
                 </a:solidFill>
               </a:defRPr>
             </a:lvl2pPr>
-            <a:lvl3pPr marL="914400" indent="0">
-              <a:buNone/>
-              <a:defRPr sz="1600">
+            <a:lvl3pPr marL="685800" indent="0">
+              <a:buNone/>
+              <a:defRPr sz="1200">
                 <a:solidFill>
                   <a:schemeClr val="tx1">
                     <a:tint val="75000"/>
@@ -1419,9 +1409,9 @@
                 </a:solidFill>
               </a:defRPr>
             </a:lvl3pPr>
-            <a:lvl4pPr marL="1371600" indent="0">
-              <a:buNone/>
-              <a:defRPr sz="1400">
+            <a:lvl4pPr marL="1028700" indent="0">
+              <a:buNone/>
+              <a:defRPr sz="1050">
                 <a:solidFill>
                   <a:schemeClr val="tx1">
                     <a:tint val="75000"/>
@@ -1429,9 +1419,9 @@
                 </a:solidFill>
               </a:defRPr>
             </a:lvl4pPr>
-            <a:lvl5pPr marL="1828800" indent="0">
-              <a:buNone/>
-              <a:defRPr sz="1400">
+            <a:lvl5pPr marL="1371600" indent="0">
+              <a:buNone/>
+              <a:defRPr sz="1050">
                 <a:solidFill>
                   <a:schemeClr val="tx1">
                     <a:tint val="75000"/>
@@ -1439,9 +1429,9 @@
                 </a:solidFill>
               </a:defRPr>
             </a:lvl5pPr>
-            <a:lvl6pPr marL="2286000" indent="0">
-              <a:buNone/>
-              <a:defRPr sz="1400">
+            <a:lvl6pPr marL="1714500" indent="0">
+              <a:buNone/>
+              <a:defRPr sz="1050">
                 <a:solidFill>
                   <a:schemeClr val="tx1">
                     <a:tint val="75000"/>
@@ -1449,9 +1439,9 @@
                 </a:solidFill>
               </a:defRPr>
             </a:lvl6pPr>
-            <a:lvl7pPr marL="2743200" indent="0">
-              <a:buNone/>
-              <a:defRPr sz="1400">
+            <a:lvl7pPr marL="2057400" indent="0">
+              <a:buNone/>
+              <a:defRPr sz="1050">
                 <a:solidFill>
                   <a:schemeClr val="tx1">
                     <a:tint val="75000"/>
@@ -1459,9 +1449,9 @@
                 </a:solidFill>
               </a:defRPr>
             </a:lvl7pPr>
-            <a:lvl8pPr marL="3200400" indent="0">
-              <a:buNone/>
-              <a:defRPr sz="1400">
+            <a:lvl8pPr marL="2400300" indent="0">
+              <a:buNone/>
+              <a:defRPr sz="1050">
                 <a:solidFill>
                   <a:schemeClr val="tx1">
                     <a:tint val="75000"/>
@@ -1469,9 +1459,9 @@
                 </a:solidFill>
               </a:defRPr>
             </a:lvl8pPr>
-            <a:lvl9pPr marL="3657600" indent="0">
-              <a:buNone/>
-              <a:defRPr sz="1400">
+            <a:lvl9pPr marL="2743200" indent="0">
+              <a:buNone/>
+              <a:defRPr sz="1050">
                 <a:solidFill>
                   <a:schemeClr val="tx1">
                     <a:tint val="75000"/>
@@ -1483,7 +1473,7 @@
           <a:p>
             <a:pPr lvl="0"/>
             <a:r>
-              <a:rPr lang="en-US" smtClean="0"/>
+              <a:rPr lang="en-US"/>
               <a:t>Click to edit Master text styles</a:t>
             </a:r>
           </a:p>
@@ -1506,7 +1496,7 @@
           <a:p>
             <a:fld id="{241EB5C9-1307-BA42-ABA2-0BC069CD8E7F}" type="datetimeFigureOut">
               <a:rPr lang="en-US" smtClean="0"/>
-              <a:t>4/5/2019</a:t>
+              <a:t>1/2/22</a:t>
             </a:fld>
             <a:endParaRPr lang="en-US"/>
           </a:p>
@@ -1600,10 +1590,9 @@
           <a:lstStyle/>
           <a:p>
             <a:r>
-              <a:rPr lang="en-US" smtClean="0"/>
+              <a:rPr lang="en-US"/>
               <a:t>Click to edit Master title style</a:t>
             </a:r>
-            <a:endParaRPr lang="en-US"/>
           </a:p>
         </p:txBody>
       </p:sp>
@@ -1619,76 +1608,75 @@
         </p:nvSpPr>
         <p:spPr>
           <a:xfrm>
-            <a:off x="457200" y="1600200"/>
-            <a:ext cx="4038600" cy="4525963"/>
+            <a:off x="457200" y="1200151"/>
+            <a:ext cx="4038600" cy="3394472"/>
           </a:xfrm>
         </p:spPr>
         <p:txBody>
           <a:bodyPr/>
           <a:lstStyle>
             <a:lvl1pPr>
-              <a:defRPr sz="2800"/>
+              <a:defRPr sz="2100"/>
             </a:lvl1pPr>
             <a:lvl2pPr>
-              <a:defRPr sz="2400"/>
+              <a:defRPr sz="1800"/>
             </a:lvl2pPr>
             <a:lvl3pPr>
-              <a:defRPr sz="2000"/>
+              <a:defRPr sz="1500"/>
             </a:lvl3pPr>
             <a:lvl4pPr>
-              <a:defRPr sz="1800"/>
+              <a:defRPr sz="1350"/>
             </a:lvl4pPr>
             <a:lvl5pPr>
-              <a:defRPr sz="1800"/>
+              <a:defRPr sz="1350"/>
             </a:lvl5pPr>
             <a:lvl6pPr>
-              <a:defRPr sz="1800"/>
+              <a:defRPr sz="1350"/>
             </a:lvl6pPr>
             <a:lvl7pPr>
-              <a:defRPr sz="1800"/>
+              <a:defRPr sz="1350"/>
             </a:lvl7pPr>
             <a:lvl8pPr>
-              <a:defRPr sz="1800"/>
+              <a:defRPr sz="1350"/>
             </a:lvl8pPr>
             <a:lvl9pPr>
-              <a:defRPr sz="1800"/>
+              <a:defRPr sz="1350"/>
             </a:lvl9pPr>
           </a:lstStyle>
           <a:p>
             <a:pPr lvl="0"/>
             <a:r>
-              <a:rPr lang="en-US" smtClean="0"/>
+              <a:rPr lang="en-US"/>
               <a:t>Click to edit Master text styles</a:t>
             </a:r>
           </a:p>
           <a:p>
             <a:pPr lvl="1"/>
             <a:r>
-              <a:rPr lang="en-US" smtClean="0"/>
+              <a:rPr lang="en-US"/>
               <a:t>Second level</a:t>
             </a:r>
           </a:p>
           <a:p>
             <a:pPr lvl="2"/>
             <a:r>
-              <a:rPr lang="en-US" smtClean="0"/>
+              <a:rPr lang="en-US"/>
               <a:t>Third level</a:t>
             </a:r>
           </a:p>
           <a:p>
             <a:pPr lvl="3"/>
             <a:r>
-              <a:rPr lang="en-US" smtClean="0"/>
+              <a:rPr lang="en-US"/>
               <a:t>Fourth level</a:t>
             </a:r>
           </a:p>
           <a:p>
             <a:pPr lvl="4"/>
             <a:r>
-              <a:rPr lang="en-US" smtClean="0"/>
+              <a:rPr lang="en-US"/>
               <a:t>Fifth level</a:t>
             </a:r>
-            <a:endParaRPr lang="en-US"/>
           </a:p>
         </p:txBody>
       </p:sp>
@@ -1704,76 +1692,75 @@
         </p:nvSpPr>
         <p:spPr>
           <a:xfrm>
-            <a:off x="4648200" y="1600200"/>
-            <a:ext cx="4038600" cy="4525963"/>
+            <a:off x="4648200" y="1200151"/>
+            <a:ext cx="4038600" cy="3394472"/>
           </a:xfrm>
         </p:spPr>
         <p:txBody>
           <a:bodyPr/>
           <a:lstStyle>
             <a:lvl1pPr>
-              <a:defRPr sz="2800"/>
+              <a:defRPr sz="2100"/>
             </a:lvl1pPr>
             <a:lvl2pPr>
-              <a:defRPr sz="2400"/>
+              <a:defRPr sz="1800"/>
             </a:lvl2pPr>
             <a:lvl3pPr>
-              <a:defRPr sz="2000"/>
+              <a:defRPr sz="1500"/>
             </a:lvl3pPr>
             <a:lvl4pPr>
-              <a:defRPr sz="1800"/>
+              <a:defRPr sz="1350"/>
             </a:lvl4pPr>
             <a:lvl5pPr>
-              <a:defRPr sz="1800"/>
+              <a:defRPr sz="1350"/>
             </a:lvl5pPr>
             <a:lvl6pPr>
-              <a:defRPr sz="1800"/>
+              <a:defRPr sz="1350"/>
             </a:lvl6pPr>
             <a:lvl7pPr>
-              <a:defRPr sz="1800"/>
+              <a:defRPr sz="1350"/>
             </a:lvl7pPr>
             <a:lvl8pPr>
-              <a:defRPr sz="1800"/>
+              <a:defRPr sz="1350"/>
             </a:lvl8pPr>
             <a:lvl9pPr>
-              <a:defRPr sz="1800"/>
+              <a:defRPr sz="1350"/>
             </a:lvl9pPr>
           </a:lstStyle>
           <a:p>
             <a:pPr lvl="0"/>
             <a:r>
-              <a:rPr lang="en-US" smtClean="0"/>
+              <a:rPr lang="en-US"/>
               <a:t>Click to edit Master text styles</a:t>
             </a:r>
           </a:p>
           <a:p>
             <a:pPr lvl="1"/>
             <a:r>
-              <a:rPr lang="en-US" smtClean="0"/>
+              <a:rPr lang="en-US"/>
               <a:t>Second level</a:t>
             </a:r>
           </a:p>
           <a:p>
             <a:pPr lvl="2"/>
             <a:r>
-              <a:rPr lang="en-US" smtClean="0"/>
+              <a:rPr lang="en-US"/>
               <a:t>Third level</a:t>
             </a:r>
           </a:p>
           <a:p>
             <a:pPr lvl="3"/>
             <a:r>
-              <a:rPr lang="en-US" smtClean="0"/>
+              <a:rPr lang="en-US"/>
               <a:t>Fourth level</a:t>
             </a:r>
           </a:p>
           <a:p>
             <a:pPr lvl="4"/>
             <a:r>
-              <a:rPr lang="en-US" smtClean="0"/>
+              <a:rPr lang="en-US"/>
               <a:t>Fifth level</a:t>
             </a:r>
-            <a:endParaRPr lang="en-US"/>
           </a:p>
         </p:txBody>
       </p:sp>
@@ -1794,7 +1781,7 @@
           <a:p>
             <a:fld id="{241EB5C9-1307-BA42-ABA2-0BC069CD8E7F}" type="datetimeFigureOut">
               <a:rPr lang="en-US" smtClean="0"/>
-              <a:t>4/5/2019</a:t>
+              <a:t>1/2/22</a:t>
             </a:fld>
             <a:endParaRPr lang="en-US"/>
           </a:p>
@@ -1892,10 +1879,9 @@
           </a:lstStyle>
           <a:p>
             <a:r>
-              <a:rPr lang="en-US" smtClean="0"/>
+              <a:rPr lang="en-US"/>
               <a:t>Click to edit Master title style</a:t>
             </a:r>
-            <a:endParaRPr lang="en-US"/>
           </a:p>
         </p:txBody>
       </p:sp>
@@ -1911,8 +1897,8 @@
         </p:nvSpPr>
         <p:spPr>
           <a:xfrm>
-            <a:off x="457200" y="1535113"/>
-            <a:ext cx="4040188" cy="639762"/>
+            <a:off x="457200" y="1151335"/>
+            <a:ext cx="4040188" cy="479822"/>
           </a:xfrm>
         </p:spPr>
         <p:txBody>
@@ -1920,45 +1906,45 @@
           <a:lstStyle>
             <a:lvl1pPr marL="0" indent="0">
               <a:buNone/>
-              <a:defRPr sz="2400" b="1"/>
+              <a:defRPr sz="1800" b="1"/>
             </a:lvl1pPr>
-            <a:lvl2pPr marL="457200" indent="0">
-              <a:buNone/>
-              <a:defRPr sz="2000" b="1"/>
+            <a:lvl2pPr marL="342900" indent="0">
+              <a:buNone/>
+              <a:defRPr sz="1500" b="1"/>
             </a:lvl2pPr>
-            <a:lvl3pPr marL="914400" indent="0">
-              <a:buNone/>
-              <a:defRPr sz="1800" b="1"/>
+            <a:lvl3pPr marL="685800" indent="0">
+              <a:buNone/>
+              <a:defRPr sz="1350" b="1"/>
             </a:lvl3pPr>
-            <a:lvl4pPr marL="1371600" indent="0">
-              <a:buNone/>
-              <a:defRPr sz="1600" b="1"/>
+            <a:lvl4pPr marL="1028700" indent="0">
+              <a:buNone/>
+              <a:defRPr sz="1200" b="1"/>
             </a:lvl4pPr>
-            <a:lvl5pPr marL="1828800" indent="0">
-              <a:buNone/>
-              <a:defRPr sz="1600" b="1"/>
+            <a:lvl5pPr marL="1371600" indent="0">
+              <a:buNone/>
+              <a:defRPr sz="1200" b="1"/>
             </a:lvl5pPr>
-            <a:lvl6pPr marL="2286000" indent="0">
-              <a:buNone/>
-              <a:defRPr sz="1600" b="1"/>
+            <a:lvl6pPr marL="1714500" indent="0">
+              <a:buNone/>
+              <a:defRPr sz="1200" b="1"/>
             </a:lvl6pPr>
-            <a:lvl7pPr marL="2743200" indent="0">
-              <a:buNone/>
-              <a:defRPr sz="1600" b="1"/>
+            <a:lvl7pPr marL="2057400" indent="0">
+              <a:buNone/>
+              <a:defRPr sz="1200" b="1"/>
             </a:lvl7pPr>
-            <a:lvl8pPr marL="3200400" indent="0">
-              <a:buNone/>
-              <a:defRPr sz="1600" b="1"/>
+            <a:lvl8pPr marL="2400300" indent="0">
+              <a:buNone/>
+              <a:defRPr sz="1200" b="1"/>
             </a:lvl8pPr>
-            <a:lvl9pPr marL="3657600" indent="0">
-              <a:buNone/>
-              <a:defRPr sz="1600" b="1"/>
+            <a:lvl9pPr marL="2743200" indent="0">
+              <a:buNone/>
+              <a:defRPr sz="1200" b="1"/>
             </a:lvl9pPr>
           </a:lstStyle>
           <a:p>
             <a:pPr lvl="0"/>
             <a:r>
-              <a:rPr lang="en-US" smtClean="0"/>
+              <a:rPr lang="en-US"/>
               <a:t>Click to edit Master text styles</a:t>
             </a:r>
           </a:p>
@@ -1976,76 +1962,75 @@
         </p:nvSpPr>
         <p:spPr>
           <a:xfrm>
-            <a:off x="457200" y="2174875"/>
-            <a:ext cx="4040188" cy="3951288"/>
+            <a:off x="457200" y="1631156"/>
+            <a:ext cx="4040188" cy="2963466"/>
           </a:xfrm>
         </p:spPr>
         <p:txBody>
           <a:bodyPr/>
           <a:lstStyle>
             <a:lvl1pPr>
-              <a:defRPr sz="2400"/>
+              <a:defRPr sz="1800"/>
             </a:lvl1pPr>
             <a:lvl2pPr>
-              <a:defRPr sz="2000"/>
+              <a:defRPr sz="1500"/>
             </a:lvl2pPr>
             <a:lvl3pPr>
-              <a:defRPr sz="1800"/>
+              <a:defRPr sz="1350"/>
             </a:lvl3pPr>
             <a:lvl4pPr>
-              <a:defRPr sz="1600"/>
+              <a:defRPr sz="1200"/>
             </a:lvl4pPr>
             <a:lvl5pPr>
-              <a:defRPr sz="1600"/>
+              <a:defRPr sz="1200"/>
             </a:lvl5pPr>
             <a:lvl6pPr>
-              <a:defRPr sz="1600"/>
+              <a:defRPr sz="1200"/>
             </a:lvl6pPr>
             <a:lvl7pPr>
-              <a:defRPr sz="1600"/>
+              <a:defRPr sz="1200"/>
             </a:lvl7pPr>
             <a:lvl8pPr>
-              <a:defRPr sz="1600"/>
+              <a:defRPr sz="1200"/>
             </a:lvl8pPr>
             <a:lvl9pPr>
-              <a:defRPr sz="1600"/>
+              <a:defRPr sz="1200"/>
             </a:lvl9pPr>
           </a:lstStyle>
           <a:p>
             <a:pPr lvl="0"/>
             <a:r>
-              <a:rPr lang="en-US" smtClean="0"/>
+              <a:rPr lang="en-US"/>
               <a:t>Click to edit Master text styles</a:t>
             </a:r>
           </a:p>
           <a:p>
             <a:pPr lvl="1"/>
             <a:r>
-              <a:rPr lang="en-US" smtClean="0"/>
+              <a:rPr lang="en-US"/>
               <a:t>Second level</a:t>
             </a:r>
           </a:p>
           <a:p>
             <a:pPr lvl="2"/>
             <a:r>
-              <a:rPr lang="en-US" smtClean="0"/>
+              <a:rPr lang="en-US"/>
               <a:t>Third level</a:t>
             </a:r>
           </a:p>
           <a:p>
             <a:pPr lvl="3"/>
             <a:r>
-              <a:rPr lang="en-US" smtClean="0"/>
+              <a:rPr lang="en-US"/>
               <a:t>Fourth level</a:t>
             </a:r>
           </a:p>
           <a:p>
             <a:pPr lvl="4"/>
             <a:r>
-              <a:rPr lang="en-US" smtClean="0"/>
+              <a:rPr lang="en-US"/>
               <a:t>Fifth level</a:t>
             </a:r>
-            <a:endParaRPr lang="en-US"/>
           </a:p>
         </p:txBody>
       </p:sp>
@@ -2061,8 +2046,8 @@
         </p:nvSpPr>
         <p:spPr>
           <a:xfrm>
-            <a:off x="4645025" y="1535113"/>
-            <a:ext cx="4041775" cy="639762"/>
+            <a:off x="4645026" y="1151335"/>
+            <a:ext cx="4041775" cy="479822"/>
           </a:xfrm>
         </p:spPr>
         <p:txBody>
@@ -2070,45 +2055,45 @@
           <a:lstStyle>
             <a:lvl1pPr marL="0" indent="0">
               <a:buNone/>
-              <a:defRPr sz="2400" b="1"/>
+              <a:defRPr sz="1800" b="1"/>
             </a:lvl1pPr>
-            <a:lvl2pPr marL="457200" indent="0">
-              <a:buNone/>
-              <a:defRPr sz="2000" b="1"/>
+            <a:lvl2pPr marL="342900" indent="0">
+              <a:buNone/>
+              <a:defRPr sz="1500" b="1"/>
             </a:lvl2pPr>
-            <a:lvl3pPr marL="914400" indent="0">
-              <a:buNone/>
-              <a:defRPr sz="1800" b="1"/>
+            <a:lvl3pPr marL="685800" indent="0">
+              <a:buNone/>
+              <a:defRPr sz="1350" b="1"/>
             </a:lvl3pPr>
-            <a:lvl4pPr marL="1371600" indent="0">
-              <a:buNone/>
-              <a:defRPr sz="1600" b="1"/>
+            <a:lvl4pPr marL="1028700" indent="0">
+              <a:buNone/>
+              <a:defRPr sz="1200" b="1"/>
             </a:lvl4pPr>
-            <a:lvl5pPr marL="1828800" indent="0">
-              <a:buNone/>
-              <a:defRPr sz="1600" b="1"/>
+            <a:lvl5pPr marL="1371600" indent="0">
+              <a:buNone/>
+              <a:defRPr sz="1200" b="1"/>
             </a:lvl5pPr>
-            <a:lvl6pPr marL="2286000" indent="0">
-              <a:buNone/>
-              <a:defRPr sz="1600" b="1"/>
+            <a:lvl6pPr marL="1714500" indent="0">
+              <a:buNone/>
+              <a:defRPr sz="1200" b="1"/>
             </a:lvl6pPr>
-            <a:lvl7pPr marL="2743200" indent="0">
-              <a:buNone/>
-              <a:defRPr sz="1600" b="1"/>
+            <a:lvl7pPr marL="2057400" indent="0">
+              <a:buNone/>
+              <a:defRPr sz="1200" b="1"/>
             </a:lvl7pPr>
-            <a:lvl8pPr marL="3200400" indent="0">
-              <a:buNone/>
-              <a:defRPr sz="1600" b="1"/>
+            <a:lvl8pPr marL="2400300" indent="0">
+              <a:buNone/>
+              <a:defRPr sz="1200" b="1"/>
             </a:lvl8pPr>
-            <a:lvl9pPr marL="3657600" indent="0">
-              <a:buNone/>
-              <a:defRPr sz="1600" b="1"/>
+            <a:lvl9pPr marL="2743200" indent="0">
+              <a:buNone/>
+              <a:defRPr sz="1200" b="1"/>
             </a:lvl9pPr>
           </a:lstStyle>
           <a:p>
             <a:pPr lvl="0"/>
             <a:r>
-              <a:rPr lang="en-US" smtClean="0"/>
+              <a:rPr lang="en-US"/>
               <a:t>Click to edit Master text styles</a:t>
             </a:r>
           </a:p>
@@ -2126,76 +2111,75 @@
         </p:nvSpPr>
         <p:spPr>
           <a:xfrm>
-            <a:off x="4645025" y="2174875"/>
-            <a:ext cx="4041775" cy="3951288"/>
+            <a:off x="4645026" y="1631156"/>
+            <a:ext cx="4041775" cy="2963466"/>
           </a:xfrm>
         </p:spPr>
         <p:txBody>
           <a:bodyPr/>
           <a:lstStyle>
             <a:lvl1pPr>
-              <a:defRPr sz="2400"/>
+              <a:defRPr sz="1800"/>
             </a:lvl1pPr>
             <a:lvl2pPr>
-              <a:defRPr sz="2000"/>
+              <a:defRPr sz="1500"/>
             </a:lvl2pPr>
             <a:lvl3pPr>
-              <a:defRPr sz="1800"/>
+              <a:defRPr sz="1350"/>
             </a:lvl3pPr>
             <a:lvl4pPr>
-              <a:defRPr sz="1600"/>
+              <a:defRPr sz="1200"/>
             </a:lvl4pPr>
             <a:lvl5pPr>
-              <a:defRPr sz="1600"/>
+              <a:defRPr sz="1200"/>
             </a:lvl5pPr>
             <a:lvl6pPr>
-              <a:defRPr sz="1600"/>
+              <a:defRPr sz="1200"/>
             </a:lvl6pPr>
             <a:lvl7pPr>
-              <a:defRPr sz="1600"/>
+              <a:defRPr sz="1200"/>
             </a:lvl7pPr>
             <a:lvl8pPr>
-              <a:defRPr sz="1600"/>
+              <a:defRPr sz="1200"/>
             </a:lvl8pPr>
             <a:lvl9pPr>
-              <a:defRPr sz="1600"/>
+              <a:defRPr sz="1200"/>
             </a:lvl9pPr>
           </a:lstStyle>
           <a:p>
             <a:pPr lvl="0"/>
             <a:r>
-              <a:rPr lang="en-US" smtClean="0"/>
+              <a:rPr lang="en-US"/>
               <a:t>Click to edit Master text styles</a:t>
             </a:r>
           </a:p>
           <a:p>
             <a:pPr lvl="1"/>
             <a:r>
-              <a:rPr lang="en-US" smtClean="0"/>
+              <a:rPr lang="en-US"/>
               <a:t>Second level</a:t>
             </a:r>
           </a:p>
           <a:p>
             <a:pPr lvl="2"/>
             <a:r>
-              <a:rPr lang="en-US" smtClean="0"/>
+              <a:rPr lang="en-US"/>
               <a:t>Third level</a:t>
             </a:r>
           </a:p>
           <a:p>
             <a:pPr lvl="3"/>
             <a:r>
-              <a:rPr lang="en-US" smtClean="0"/>
+              <a:rPr lang="en-US"/>
               <a:t>Fourth level</a:t>
             </a:r>
           </a:p>
           <a:p>
             <a:pPr lvl="4"/>
             <a:r>
-              <a:rPr lang="en-US" smtClean="0"/>
+              <a:rPr lang="en-US"/>
               <a:t>Fifth level</a:t>
             </a:r>
-            <a:endParaRPr lang="en-US"/>
           </a:p>
         </p:txBody>
       </p:sp>
@@ -2216,7 +2200,7 @@
           <a:p>
             <a:fld id="{241EB5C9-1307-BA42-ABA2-0BC069CD8E7F}" type="datetimeFigureOut">
               <a:rPr lang="en-US" smtClean="0"/>
-              <a:t>4/5/2019</a:t>
+              <a:t>1/2/22</a:t>
             </a:fld>
             <a:endParaRPr lang="en-US"/>
           </a:p>
@@ -2310,10 +2294,9 @@
           <a:lstStyle/>
           <a:p>
             <a:r>
-              <a:rPr lang="en-US" smtClean="0"/>
+              <a:rPr lang="en-US"/>
               <a:t>Click to edit Master title style</a:t>
             </a:r>
-            <a:endParaRPr lang="en-US"/>
           </a:p>
         </p:txBody>
       </p:sp>
@@ -2334,7 +2317,7 @@
           <a:p>
             <a:fld id="{241EB5C9-1307-BA42-ABA2-0BC069CD8E7F}" type="datetimeFigureOut">
               <a:rPr lang="en-US" smtClean="0"/>
-              <a:t>4/5/2019</a:t>
+              <a:t>1/2/22</a:t>
             </a:fld>
             <a:endParaRPr lang="en-US"/>
           </a:p>
@@ -2429,7 +2412,7 @@
           <a:p>
             <a:fld id="{241EB5C9-1307-BA42-ABA2-0BC069CD8E7F}" type="datetimeFigureOut">
               <a:rPr lang="en-US" smtClean="0"/>
-              <a:t>4/5/2019</a:t>
+              <a:t>1/2/22</a:t>
             </a:fld>
             <a:endParaRPr lang="en-US"/>
           </a:p>
@@ -2519,23 +2502,22 @@
         </p:nvSpPr>
         <p:spPr>
           <a:xfrm>
-            <a:off x="457200" y="273050"/>
-            <a:ext cx="3008313" cy="1162050"/>
+            <a:off x="457201" y="204787"/>
+            <a:ext cx="3008313" cy="871538"/>
           </a:xfrm>
         </p:spPr>
         <p:txBody>
           <a:bodyPr anchor="b"/>
           <a:lstStyle>
             <a:lvl1pPr algn="l">
-              <a:defRPr sz="2000" b="1"/>
+              <a:defRPr sz="1500" b="1"/>
             </a:lvl1pPr>
           </a:lstStyle>
           <a:p>
             <a:r>
-              <a:rPr lang="en-US" smtClean="0"/>
+              <a:rPr lang="en-US"/>
               <a:t>Click to edit Master title style</a:t>
             </a:r>
-            <a:endParaRPr lang="en-US"/>
           </a:p>
         </p:txBody>
       </p:sp>
@@ -2551,76 +2533,75 @@
         </p:nvSpPr>
         <p:spPr>
           <a:xfrm>
-            <a:off x="3575050" y="273050"/>
-            <a:ext cx="5111750" cy="5853113"/>
+            <a:off x="3575050" y="204788"/>
+            <a:ext cx="5111750" cy="4389835"/>
           </a:xfrm>
         </p:spPr>
         <p:txBody>
           <a:bodyPr/>
           <a:lstStyle>
             <a:lvl1pPr>
-              <a:defRPr sz="3200"/>
+              <a:defRPr sz="2400"/>
             </a:lvl1pPr>
             <a:lvl2pPr>
-              <a:defRPr sz="2800"/>
+              <a:defRPr sz="2100"/>
             </a:lvl2pPr>
             <a:lvl3pPr>
-              <a:defRPr sz="2400"/>
+              <a:defRPr sz="1800"/>
             </a:lvl3pPr>
             <a:lvl4pPr>
-              <a:defRPr sz="2000"/>
+              <a:defRPr sz="1500"/>
             </a:lvl4pPr>
             <a:lvl5pPr>
-              <a:defRPr sz="2000"/>
+              <a:defRPr sz="1500"/>
             </a:lvl5pPr>
             <a:lvl6pPr>
-              <a:defRPr sz="2000"/>
+              <a:defRPr sz="1500"/>
             </a:lvl6pPr>
             <a:lvl7pPr>
-              <a:defRPr sz="2000"/>
+              <a:defRPr sz="1500"/>
             </a:lvl7pPr>
             <a:lvl8pPr>
-              <a:defRPr sz="2000"/>
+              <a:defRPr sz="1500"/>
             </a:lvl8pPr>
             <a:lvl9pPr>
-              <a:defRPr sz="2000"/>
+              <a:defRPr sz="1500"/>
             </a:lvl9pPr>
           </a:lstStyle>
           <a:p>
             <a:pPr lvl="0"/>
             <a:r>
-              <a:rPr lang="en-US" smtClean="0"/>
+              <a:rPr lang="en-US"/>
               <a:t>Click to edit Master text styles</a:t>
             </a:r>
           </a:p>
           <a:p>
             <a:pPr lvl="1"/>
             <a:r>
-              <a:rPr lang="en-US" smtClean="0"/>
+              <a:rPr lang="en-US"/>
               <a:t>Second level</a:t>
             </a:r>
           </a:p>
           <a:p>
             <a:pPr lvl="2"/>
             <a:r>
-              <a:rPr lang="en-US" smtClean="0"/>
+              <a:rPr lang="en-US"/>
               <a:t>Third level</a:t>
             </a:r>
           </a:p>
           <a:p>
             <a:pPr lvl="3"/>
             <a:r>
-              <a:rPr lang="en-US" smtClean="0"/>
+              <a:rPr lang="en-US"/>
               <a:t>Fourth level</a:t>
             </a:r>
           </a:p>
           <a:p>
             <a:pPr lvl="4"/>
             <a:r>
-              <a:rPr lang="en-US" smtClean="0"/>
+              <a:rPr lang="en-US"/>
               <a:t>Fifth level</a:t>
             </a:r>
-            <a:endParaRPr lang="en-US"/>
           </a:p>
         </p:txBody>
       </p:sp>
@@ -2636,8 +2617,8 @@
         </p:nvSpPr>
         <p:spPr>
           <a:xfrm>
-            <a:off x="457200" y="1435100"/>
-            <a:ext cx="3008313" cy="4691063"/>
+            <a:off x="457201" y="1076326"/>
+            <a:ext cx="3008313" cy="3518297"/>
           </a:xfrm>
         </p:spPr>
         <p:txBody>
@@ -2645,45 +2626,45 @@
           <a:lstStyle>
             <a:lvl1pPr marL="0" indent="0">
               <a:buNone/>
-              <a:defRPr sz="1400"/>
+              <a:defRPr sz="1050"/>
             </a:lvl1pPr>
-            <a:lvl2pPr marL="457200" indent="0">
-              <a:buNone/>
-              <a:defRPr sz="1200"/>
+            <a:lvl2pPr marL="342900" indent="0">
+              <a:buNone/>
+              <a:defRPr sz="900"/>
             </a:lvl2pPr>
-            <a:lvl3pPr marL="914400" indent="0">
-              <a:buNone/>
-              <a:defRPr sz="1000"/>
+            <a:lvl3pPr marL="685800" indent="0">
+              <a:buNone/>
+              <a:defRPr sz="750"/>
             </a:lvl3pPr>
-            <a:lvl4pPr marL="1371600" indent="0">
-              <a:buNone/>
-              <a:defRPr sz="900"/>
+            <a:lvl4pPr marL="1028700" indent="0">
+              <a:buNone/>
+              <a:defRPr sz="675"/>
             </a:lvl4pPr>
-            <a:lvl5pPr marL="1828800" indent="0">
-              <a:buNone/>
-              <a:defRPr sz="900"/>
+            <a:lvl5pPr marL="1371600" indent="0">
+              <a:buNone/>
+              <a:defRPr sz="675"/>
             </a:lvl5pPr>
-            <a:lvl6pPr marL="2286000" indent="0">
-              <a:buNone/>
-              <a:defRPr sz="900"/>
+            <a:lvl6pPr marL="1714500" indent="0">
+              <a:buNone/>
+              <a:defRPr sz="675"/>
             </a:lvl6pPr>
-            <a:lvl7pPr marL="2743200" indent="0">
-              <a:buNone/>
-              <a:defRPr sz="900"/>
+            <a:lvl7pPr marL="2057400" indent="0">
+              <a:buNone/>
+              <a:defRPr sz="675"/>
             </a:lvl7pPr>
-            <a:lvl8pPr marL="3200400" indent="0">
-              <a:buNone/>
-              <a:defRPr sz="900"/>
+            <a:lvl8pPr marL="2400300" indent="0">
+              <a:buNone/>
+              <a:defRPr sz="675"/>
             </a:lvl8pPr>
-            <a:lvl9pPr marL="3657600" indent="0">
-              <a:buNone/>
-              <a:defRPr sz="900"/>
+            <a:lvl9pPr marL="2743200" indent="0">
+              <a:buNone/>
+              <a:defRPr sz="675"/>
             </a:lvl9pPr>
           </a:lstStyle>
           <a:p>
             <a:pPr lvl="0"/>
             <a:r>
-              <a:rPr lang="en-US" smtClean="0"/>
+              <a:rPr lang="en-US"/>
               <a:t>Click to edit Master text styles</a:t>
             </a:r>
           </a:p>
@@ -2706,7 +2687,7 @@
           <a:p>
             <a:fld id="{241EB5C9-1307-BA42-ABA2-0BC069CD8E7F}" type="datetimeFigureOut">
               <a:rPr lang="en-US" smtClean="0"/>
-              <a:t>4/5/2019</a:t>
+              <a:t>1/2/22</a:t>
             </a:fld>
             <a:endParaRPr lang="en-US"/>
           </a:p>
@@ -2796,23 +2777,22 @@
         </p:nvSpPr>
         <p:spPr>
           <a:xfrm>
-            <a:off x="1792288" y="4800600"/>
-            <a:ext cx="5486400" cy="566738"/>
+            <a:off x="1792288" y="3600450"/>
+            <a:ext cx="5486400" cy="425054"/>
           </a:xfrm>
         </p:spPr>
         <p:txBody>
           <a:bodyPr anchor="b"/>
           <a:lstStyle>
             <a:lvl1pPr algn="l">
-              <a:defRPr sz="2000" b="1"/>
+              <a:defRPr sz="1500" b="1"/>
             </a:lvl1pPr>
           </a:lstStyle>
           <a:p>
             <a:r>
-              <a:rPr lang="en-US" smtClean="0"/>
+              <a:rPr lang="en-US"/>
               <a:t>Click to edit Master title style</a:t>
             </a:r>
-            <a:endParaRPr lang="en-US"/>
           </a:p>
         </p:txBody>
       </p:sp>
@@ -2828,8 +2808,8 @@
         </p:nvSpPr>
         <p:spPr>
           <a:xfrm>
-            <a:off x="1792288" y="612775"/>
-            <a:ext cx="5486400" cy="4114800"/>
+            <a:off x="1792288" y="459581"/>
+            <a:ext cx="5486400" cy="3086100"/>
           </a:xfrm>
         </p:spPr>
         <p:txBody>
@@ -2837,39 +2817,39 @@
           <a:lstStyle>
             <a:lvl1pPr marL="0" indent="0">
               <a:buNone/>
-              <a:defRPr sz="3200"/>
+              <a:defRPr sz="2400"/>
             </a:lvl1pPr>
-            <a:lvl2pPr marL="457200" indent="0">
-              <a:buNone/>
-              <a:defRPr sz="2800"/>
+            <a:lvl2pPr marL="342900" indent="0">
+              <a:buNone/>
+              <a:defRPr sz="2100"/>
             </a:lvl2pPr>
-            <a:lvl3pPr marL="914400" indent="0">
-              <a:buNone/>
-              <a:defRPr sz="2400"/>
+            <a:lvl3pPr marL="685800" indent="0">
+              <a:buNone/>
+              <a:defRPr sz="1800"/>
             </a:lvl3pPr>
-            <a:lvl4pPr marL="1371600" indent="0">
-              <a:buNone/>
-              <a:defRPr sz="2000"/>
+            <a:lvl4pPr marL="1028700" indent="0">
+              <a:buNone/>
+              <a:defRPr sz="1500"/>
             </a:lvl4pPr>
-            <a:lvl5pPr marL="1828800" indent="0">
-              <a:buNone/>
-              <a:defRPr sz="2000"/>
+            <a:lvl5pPr marL="1371600" indent="0">
+              <a:buNone/>
+              <a:defRPr sz="1500"/>
             </a:lvl5pPr>
-            <a:lvl6pPr marL="2286000" indent="0">
-              <a:buNone/>
-              <a:defRPr sz="2000"/>
+            <a:lvl6pPr marL="1714500" indent="0">
+              <a:buNone/>
+              <a:defRPr sz="1500"/>
             </a:lvl6pPr>
-            <a:lvl7pPr marL="2743200" indent="0">
-              <a:buNone/>
-              <a:defRPr sz="2000"/>
+            <a:lvl7pPr marL="2057400" indent="0">
+              <a:buNone/>
+              <a:defRPr sz="1500"/>
             </a:lvl7pPr>
-            <a:lvl8pPr marL="3200400" indent="0">
-              <a:buNone/>
-              <a:defRPr sz="2000"/>
+            <a:lvl8pPr marL="2400300" indent="0">
+              <a:buNone/>
+              <a:defRPr sz="1500"/>
             </a:lvl8pPr>
-            <a:lvl9pPr marL="3657600" indent="0">
-              <a:buNone/>
-              <a:defRPr sz="2000"/>
+            <a:lvl9pPr marL="2743200" indent="0">
+              <a:buNone/>
+              <a:defRPr sz="1500"/>
             </a:lvl9pPr>
           </a:lstStyle>
           <a:p>
@@ -2889,8 +2869,8 @@
         </p:nvSpPr>
         <p:spPr>
           <a:xfrm>
-            <a:off x="1792288" y="5367338"/>
-            <a:ext cx="5486400" cy="804862"/>
+            <a:off x="1792288" y="4025503"/>
+            <a:ext cx="5486400" cy="603647"/>
           </a:xfrm>
         </p:spPr>
         <p:txBody>
@@ -2898,45 +2878,45 @@
           <a:lstStyle>
             <a:lvl1pPr marL="0" indent="0">
               <a:buNone/>
-              <a:defRPr sz="1400"/>
+              <a:defRPr sz="1050"/>
             </a:lvl1pPr>
-            <a:lvl2pPr marL="457200" indent="0">
-              <a:buNone/>
-              <a:defRPr sz="1200"/>
+            <a:lvl2pPr marL="342900" indent="0">
+              <a:buNone/>
+              <a:defRPr sz="900"/>
             </a:lvl2pPr>
-            <a:lvl3pPr marL="914400" indent="0">
-              <a:buNone/>
-              <a:defRPr sz="1000"/>
+            <a:lvl3pPr marL="685800" indent="0">
+              <a:buNone/>
+              <a:defRPr sz="750"/>
             </a:lvl3pPr>
-            <a:lvl4pPr marL="1371600" indent="0">
-              <a:buNone/>
-              <a:defRPr sz="900"/>
+            <a:lvl4pPr marL="1028700" indent="0">
+              <a:buNone/>
+              <a:defRPr sz="675"/>
             </a:lvl4pPr>
-            <a:lvl5pPr marL="1828800" indent="0">
-              <a:buNone/>
-              <a:defRPr sz="900"/>
+            <a:lvl5pPr marL="1371600" indent="0">
+              <a:buNone/>
+              <a:defRPr sz="675"/>
             </a:lvl5pPr>
-            <a:lvl6pPr marL="2286000" indent="0">
-              <a:buNone/>
-              <a:defRPr sz="900"/>
+            <a:lvl6pPr marL="1714500" indent="0">
+              <a:buNone/>
+              <a:defRPr sz="675"/>
             </a:lvl6pPr>
-            <a:lvl7pPr marL="2743200" indent="0">
-              <a:buNone/>
-              <a:defRPr sz="900"/>
+            <a:lvl7pPr marL="2057400" indent="0">
+              <a:buNone/>
+              <a:defRPr sz="675"/>
             </a:lvl7pPr>
-            <a:lvl8pPr marL="3200400" indent="0">
-              <a:buNone/>
-              <a:defRPr sz="900"/>
+            <a:lvl8pPr marL="2400300" indent="0">
+              <a:buNone/>
+              <a:defRPr sz="675"/>
             </a:lvl8pPr>
-            <a:lvl9pPr marL="3657600" indent="0">
-              <a:buNone/>
-              <a:defRPr sz="900"/>
+            <a:lvl9pPr marL="2743200" indent="0">
+              <a:buNone/>
+              <a:defRPr sz="675"/>
             </a:lvl9pPr>
           </a:lstStyle>
           <a:p>
             <a:pPr lvl="0"/>
             <a:r>
-              <a:rPr lang="en-US" smtClean="0"/>
+              <a:rPr lang="en-US"/>
               <a:t>Click to edit Master text styles</a:t>
             </a:r>
           </a:p>
@@ -2959,7 +2939,7 @@
           <a:p>
             <a:fld id="{241EB5C9-1307-BA42-ABA2-0BC069CD8E7F}" type="datetimeFigureOut">
               <a:rPr lang="en-US" smtClean="0"/>
-              <a:t>4/5/2019</a:t>
+              <a:t>1/2/22</a:t>
             </a:fld>
             <a:endParaRPr lang="en-US"/>
           </a:p>
@@ -3054,8 +3034,8 @@
         </p:nvSpPr>
         <p:spPr>
           <a:xfrm>
-            <a:off x="457200" y="274638"/>
-            <a:ext cx="8229600" cy="1143000"/>
+            <a:off x="457200" y="205979"/>
+            <a:ext cx="8229600" cy="857250"/>
           </a:xfrm>
           <a:prstGeom prst="rect">
             <a:avLst/>
@@ -3068,10 +3048,9 @@
           <a:lstStyle/>
           <a:p>
             <a:r>
-              <a:rPr lang="en-US" smtClean="0"/>
+              <a:rPr lang="en-US"/>
               <a:t>Click to edit Master title style</a:t>
             </a:r>
-            <a:endParaRPr lang="en-US"/>
           </a:p>
         </p:txBody>
       </p:sp>
@@ -3087,8 +3066,8 @@
         </p:nvSpPr>
         <p:spPr>
           <a:xfrm>
-            <a:off x="457200" y="1600200"/>
-            <a:ext cx="8229600" cy="4525963"/>
+            <a:off x="457200" y="1200151"/>
+            <a:ext cx="8229600" cy="3394472"/>
           </a:xfrm>
           <a:prstGeom prst="rect">
             <a:avLst/>
@@ -3102,38 +3081,37 @@
           <a:p>
             <a:pPr lvl="0"/>
             <a:r>
-              <a:rPr lang="en-US" smtClean="0"/>
+              <a:rPr lang="en-US"/>
               <a:t>Click to edit Master text styles</a:t>
             </a:r>
           </a:p>
           <a:p>
             <a:pPr lvl="1"/>
             <a:r>
-              <a:rPr lang="en-US" smtClean="0"/>
+              <a:rPr lang="en-US"/>
               <a:t>Second level</a:t>
             </a:r>
           </a:p>
           <a:p>
             <a:pPr lvl="2"/>
             <a:r>
-              <a:rPr lang="en-US" smtClean="0"/>
+              <a:rPr lang="en-US"/>
               <a:t>Third level</a:t>
             </a:r>
           </a:p>
           <a:p>
             <a:pPr lvl="3"/>
             <a:r>
-              <a:rPr lang="en-US" smtClean="0"/>
+              <a:rPr lang="en-US"/>
               <a:t>Fourth level</a:t>
             </a:r>
           </a:p>
           <a:p>
             <a:pPr lvl="4"/>
             <a:r>
-              <a:rPr lang="en-US" smtClean="0"/>
+              <a:rPr lang="en-US"/>
               <a:t>Fifth level</a:t>
             </a:r>
-            <a:endParaRPr lang="en-US"/>
           </a:p>
         </p:txBody>
       </p:sp>
@@ -3149,8 +3127,8 @@
         </p:nvSpPr>
         <p:spPr>
           <a:xfrm>
-            <a:off x="457200" y="6356350"/>
-            <a:ext cx="2133600" cy="365125"/>
+            <a:off x="457200" y="4767263"/>
+            <a:ext cx="2133600" cy="273844"/>
           </a:xfrm>
           <a:prstGeom prst="rect">
             <a:avLst/>
@@ -3160,7 +3138,7 @@
           <a:bodyPr anchor="ctr" bIns="45720" lIns="91440" rIns="91440" rtlCol="0" tIns="45720" vert="horz"/>
           <a:lstStyle>
             <a:lvl1pPr algn="l">
-              <a:defRPr sz="1200">
+              <a:defRPr sz="900">
                 <a:solidFill>
                   <a:schemeClr val="tx1">
                     <a:tint val="75000"/>
@@ -3172,7 +3150,7 @@
           <a:p>
             <a:fld id="{241EB5C9-1307-BA42-ABA2-0BC069CD8E7F}" type="datetimeFigureOut">
               <a:rPr lang="en-US" smtClean="0"/>
-              <a:t>4/5/2019</a:t>
+              <a:t>1/2/22</a:t>
             </a:fld>
             <a:endParaRPr lang="en-US"/>
           </a:p>
@@ -3190,8 +3168,8 @@
         </p:nvSpPr>
         <p:spPr>
           <a:xfrm>
-            <a:off x="3124200" y="6356350"/>
-            <a:ext cx="2895600" cy="365125"/>
+            <a:off x="3124200" y="4767263"/>
+            <a:ext cx="2895600" cy="273844"/>
           </a:xfrm>
           <a:prstGeom prst="rect">
             <a:avLst/>
@@ -3201,7 +3179,7 @@
           <a:bodyPr anchor="ctr" bIns="45720" lIns="91440" rIns="91440" rtlCol="0" tIns="45720" vert="horz"/>
           <a:lstStyle>
             <a:lvl1pPr algn="ctr">
-              <a:defRPr sz="1200">
+              <a:defRPr sz="900">
                 <a:solidFill>
                   <a:schemeClr val="tx1">
                     <a:tint val="75000"/>
@@ -3227,8 +3205,8 @@
         </p:nvSpPr>
         <p:spPr>
           <a:xfrm>
-            <a:off x="6553200" y="6356350"/>
-            <a:ext cx="2133600" cy="365125"/>
+            <a:off x="6553200" y="4767263"/>
+            <a:ext cx="2133600" cy="273844"/>
           </a:xfrm>
           <a:prstGeom prst="rect">
             <a:avLst/>
@@ -3238,7 +3216,7 @@
           <a:bodyPr anchor="ctr" bIns="45720" lIns="91440" rIns="91440" rtlCol="0" tIns="45720" vert="horz"/>
           <a:lstStyle>
             <a:lvl1pPr algn="r">
-              <a:defRPr sz="1200">
+              <a:defRPr sz="900">
                 <a:solidFill>
                   <a:schemeClr val="tx1">
                     <a:tint val="75000"/>
@@ -3279,12 +3257,12 @@
   </p:sldLayoutIdLst>
   <p:txStyles>
     <p:titleStyle>
-      <a:lvl1pPr algn="ctr" defTabSz="457200" eaLnBrk="1" hangingPunct="1" latinLnBrk="0" rtl="0">
+      <a:lvl1pPr algn="ctr" defTabSz="342900" eaLnBrk="1" hangingPunct="1" latinLnBrk="0" rtl="0">
         <a:spcBef>
           <a:spcPct val="0"/>
         </a:spcBef>
         <a:buNone/>
-        <a:defRPr kern="1200" sz="4400">
+        <a:defRPr kern="1200" sz="3300">
           <a:solidFill>
             <a:schemeClr val="tx1"/>
           </a:solidFill>
@@ -3295,37 +3273,7 @@
       </a:lvl1pPr>
     </p:titleStyle>
     <p:bodyStyle>
-      <a:lvl1pPr algn="l" defTabSz="457200" eaLnBrk="1" hangingPunct="1" indent="-457200" latinLnBrk="0" marL="457200" rtl="0">
-        <a:spcBef>
-          <a:spcPct val="20000"/>
-        </a:spcBef>
-        <a:buFont typeface="Arial"/>
-        <a:buChar char="•"/>
-        <a:defRPr kern="1200" sz="3200">
-          <a:solidFill>
-            <a:schemeClr val="tx1"/>
-          </a:solidFill>
-          <a:latin typeface="+mn-lt"/>
-          <a:ea typeface="+mn-ea"/>
-          <a:cs typeface="+mn-cs"/>
-        </a:defRPr>
-      </a:lvl1pPr>
-      <a:lvl2pPr algn="l" defTabSz="457200" eaLnBrk="1" hangingPunct="1" indent="-457200" latinLnBrk="0" marL="914400" rtl="0">
-        <a:spcBef>
-          <a:spcPct val="20000"/>
-        </a:spcBef>
-        <a:buFont typeface="Arial"/>
-        <a:buChar char="–"/>
-        <a:defRPr kern="1200" sz="2800">
-          <a:solidFill>
-            <a:schemeClr val="tx1"/>
-          </a:solidFill>
-          <a:latin typeface="+mn-lt"/>
-          <a:ea typeface="+mn-ea"/>
-          <a:cs typeface="+mn-cs"/>
-        </a:defRPr>
-      </a:lvl2pPr>
-      <a:lvl3pPr algn="l" defTabSz="457200" eaLnBrk="1" hangingPunct="1" indent="-457200" latinLnBrk="0" marL="1371600" rtl="0">
+      <a:lvl1pPr algn="l" defTabSz="342900" eaLnBrk="1" hangingPunct="1" indent="-342900" latinLnBrk="0" marL="342900" rtl="0">
         <a:spcBef>
           <a:spcPct val="20000"/>
         </a:spcBef>
@@ -3339,14 +3287,44 @@
           <a:ea typeface="+mn-ea"/>
           <a:cs typeface="+mn-cs"/>
         </a:defRPr>
-      </a:lvl3pPr>
-      <a:lvl4pPr algn="l" defTabSz="457200" eaLnBrk="1" hangingPunct="1" indent="-457200" latinLnBrk="0" marL="1828800" rtl="0">
+      </a:lvl1pPr>
+      <a:lvl2pPr algn="l" defTabSz="342900" eaLnBrk="1" hangingPunct="1" indent="-342900" latinLnBrk="0" marL="685800" rtl="0">
         <a:spcBef>
           <a:spcPct val="20000"/>
         </a:spcBef>
         <a:buFont typeface="Arial"/>
         <a:buChar char="–"/>
-        <a:defRPr kern="1200" sz="2000">
+        <a:defRPr kern="1200" sz="2100">
+          <a:solidFill>
+            <a:schemeClr val="tx1"/>
+          </a:solidFill>
+          <a:latin typeface="+mn-lt"/>
+          <a:ea typeface="+mn-ea"/>
+          <a:cs typeface="+mn-cs"/>
+        </a:defRPr>
+      </a:lvl2pPr>
+      <a:lvl3pPr algn="l" defTabSz="342900" eaLnBrk="1" hangingPunct="1" indent="-342900" latinLnBrk="0" marL="1028700" rtl="0">
+        <a:spcBef>
+          <a:spcPct val="20000"/>
+        </a:spcBef>
+        <a:buFont typeface="Arial"/>
+        <a:buChar char="•"/>
+        <a:defRPr kern="1200" sz="1800">
+          <a:solidFill>
+            <a:schemeClr val="tx1"/>
+          </a:solidFill>
+          <a:latin typeface="+mn-lt"/>
+          <a:ea typeface="+mn-ea"/>
+          <a:cs typeface="+mn-cs"/>
+        </a:defRPr>
+      </a:lvl3pPr>
+      <a:lvl4pPr algn="l" defTabSz="342900" eaLnBrk="1" hangingPunct="1" indent="-342900" latinLnBrk="0" marL="1371600" rtl="0">
+        <a:spcBef>
+          <a:spcPct val="20000"/>
+        </a:spcBef>
+        <a:buFont typeface="Arial"/>
+        <a:buChar char="–"/>
+        <a:defRPr kern="1200" sz="1500">
           <a:solidFill>
             <a:schemeClr val="tx1"/>
           </a:solidFill>
@@ -3355,13 +3333,13 @@
           <a:cs typeface="+mn-cs"/>
         </a:defRPr>
       </a:lvl4pPr>
-      <a:lvl5pPr algn="l" defTabSz="457200" eaLnBrk="1" hangingPunct="1" indent="-457200" latinLnBrk="0" marL="2286000" rtl="0">
+      <a:lvl5pPr algn="l" defTabSz="342900" eaLnBrk="1" hangingPunct="1" indent="-342900" latinLnBrk="0" marL="1714500" rtl="0">
         <a:spcBef>
           <a:spcPct val="20000"/>
         </a:spcBef>
         <a:buFont typeface="Arial"/>
         <a:buChar char="»"/>
-        <a:defRPr kern="1200" sz="2000">
+        <a:defRPr kern="1200" sz="1500">
           <a:solidFill>
             <a:schemeClr val="tx1"/>
           </a:solidFill>
@@ -3370,13 +3348,13 @@
           <a:cs typeface="+mn-cs"/>
         </a:defRPr>
       </a:lvl5pPr>
-      <a:lvl6pPr algn="l" defTabSz="457200" eaLnBrk="1" hangingPunct="1" indent="-457200" latinLnBrk="0" marL="2743200" rtl="0">
+      <a:lvl6pPr algn="l" defTabSz="342900" eaLnBrk="1" hangingPunct="1" indent="-342900" latinLnBrk="0" marL="2057400" rtl="0">
         <a:spcBef>
           <a:spcPct val="20000"/>
         </a:spcBef>
         <a:buFont typeface="Arial"/>
         <a:buChar char="•"/>
-        <a:defRPr kern="1200" sz="2000">
+        <a:defRPr kern="1200" sz="1500">
           <a:solidFill>
             <a:schemeClr val="tx1"/>
           </a:solidFill>
@@ -3385,13 +3363,13 @@
           <a:cs typeface="+mn-cs"/>
         </a:defRPr>
       </a:lvl6pPr>
-      <a:lvl7pPr algn="l" defTabSz="457200" eaLnBrk="1" hangingPunct="1" indent="-457200" latinLnBrk="0" marL="3200400" rtl="0">
+      <a:lvl7pPr algn="l" defTabSz="342900" eaLnBrk="1" hangingPunct="1" indent="-342900" latinLnBrk="0" marL="2400300" rtl="0">
         <a:spcBef>
           <a:spcPct val="20000"/>
         </a:spcBef>
         <a:buFont typeface="Arial"/>
         <a:buChar char="•"/>
-        <a:defRPr kern="1200" sz="2000">
+        <a:defRPr kern="1200" sz="1500">
           <a:solidFill>
             <a:schemeClr val="tx1"/>
           </a:solidFill>
@@ -3400,13 +3378,13 @@
           <a:cs typeface="+mn-cs"/>
         </a:defRPr>
       </a:lvl7pPr>
-      <a:lvl8pPr algn="l" defTabSz="457200" eaLnBrk="1" hangingPunct="1" indent="-457200" latinLnBrk="0" marL="3657600" rtl="0">
+      <a:lvl8pPr algn="l" defTabSz="342900" eaLnBrk="1" hangingPunct="1" indent="-342900" latinLnBrk="0" marL="2743200" rtl="0">
         <a:spcBef>
           <a:spcPct val="20000"/>
         </a:spcBef>
         <a:buFont typeface="Arial"/>
         <a:buChar char="•"/>
-        <a:defRPr kern="1200" sz="2000">
+        <a:defRPr kern="1200" sz="1500">
           <a:solidFill>
             <a:schemeClr val="tx1"/>
           </a:solidFill>
@@ -3415,13 +3393,13 @@
           <a:cs typeface="+mn-cs"/>
         </a:defRPr>
       </a:lvl8pPr>
-      <a:lvl9pPr algn="l" defTabSz="457200" eaLnBrk="1" hangingPunct="1" indent="-457200" latinLnBrk="0" marL="4114800" rtl="0">
+      <a:lvl9pPr algn="l" defTabSz="342900" eaLnBrk="1" hangingPunct="1" indent="-342900" latinLnBrk="0" marL="3086100" rtl="0">
         <a:spcBef>
           <a:spcPct val="20000"/>
         </a:spcBef>
         <a:buFont typeface="Arial"/>
         <a:buChar char="•"/>
-        <a:defRPr kern="1200" sz="2000">
+        <a:defRPr kern="1200" sz="1500">
           <a:solidFill>
             <a:schemeClr val="tx1"/>
           </a:solidFill>
@@ -3435,8 +3413,8 @@
       <a:defPPr>
         <a:defRPr lang="en-US"/>
       </a:defPPr>
-      <a:lvl1pPr algn="l" defTabSz="457200" eaLnBrk="1" hangingPunct="1" latinLnBrk="0" marL="0" rtl="0">
-        <a:defRPr kern="1200" sz="1800">
+      <a:lvl1pPr algn="l" defTabSz="342900" eaLnBrk="1" hangingPunct="1" latinLnBrk="0" marL="0" rtl="0">
+        <a:defRPr kern="1200" sz="1350">
           <a:solidFill>
             <a:schemeClr val="tx1"/>
           </a:solidFill>
@@ -3445,8 +3423,8 @@
           <a:cs typeface="+mn-cs"/>
         </a:defRPr>
       </a:lvl1pPr>
-      <a:lvl2pPr algn="l" defTabSz="457200" eaLnBrk="1" hangingPunct="1" latinLnBrk="0" marL="457200" rtl="0">
-        <a:defRPr kern="1200" sz="1800">
+      <a:lvl2pPr algn="l" defTabSz="342900" eaLnBrk="1" hangingPunct="1" latinLnBrk="0" marL="342900" rtl="0">
+        <a:defRPr kern="1200" sz="1350">
           <a:solidFill>
             <a:schemeClr val="tx1"/>
           </a:solidFill>
@@ -3455,8 +3433,8 @@
           <a:cs typeface="+mn-cs"/>
         </a:defRPr>
       </a:lvl2pPr>
-      <a:lvl3pPr algn="l" defTabSz="457200" eaLnBrk="1" hangingPunct="1" latinLnBrk="0" marL="914400" rtl="0">
-        <a:defRPr kern="1200" sz="1800">
+      <a:lvl3pPr algn="l" defTabSz="342900" eaLnBrk="1" hangingPunct="1" latinLnBrk="0" marL="685800" rtl="0">
+        <a:defRPr kern="1200" sz="1350">
           <a:solidFill>
             <a:schemeClr val="tx1"/>
           </a:solidFill>
@@ -3465,8 +3443,8 @@
           <a:cs typeface="+mn-cs"/>
         </a:defRPr>
       </a:lvl3pPr>
-      <a:lvl4pPr algn="l" defTabSz="457200" eaLnBrk="1" hangingPunct="1" latinLnBrk="0" marL="1371600" rtl="0">
-        <a:defRPr kern="1200" sz="1800">
+      <a:lvl4pPr algn="l" defTabSz="342900" eaLnBrk="1" hangingPunct="1" latinLnBrk="0" marL="1028700" rtl="0">
+        <a:defRPr kern="1200" sz="1350">
           <a:solidFill>
             <a:schemeClr val="tx1"/>
           </a:solidFill>
@@ -3475,8 +3453,8 @@
           <a:cs typeface="+mn-cs"/>
         </a:defRPr>
       </a:lvl4pPr>
-      <a:lvl5pPr algn="l" defTabSz="457200" eaLnBrk="1" hangingPunct="1" latinLnBrk="0" marL="1828800" rtl="0">
-        <a:defRPr kern="1200" sz="1800">
+      <a:lvl5pPr algn="l" defTabSz="342900" eaLnBrk="1" hangingPunct="1" latinLnBrk="0" marL="1371600" rtl="0">
+        <a:defRPr kern="1200" sz="1350">
           <a:solidFill>
             <a:schemeClr val="tx1"/>
           </a:solidFill>
@@ -3485,8 +3463,8 @@
           <a:cs typeface="+mn-cs"/>
         </a:defRPr>
       </a:lvl5pPr>
-      <a:lvl6pPr algn="l" defTabSz="457200" eaLnBrk="1" hangingPunct="1" latinLnBrk="0" marL="2286000" rtl="0">
-        <a:defRPr kern="1200" sz="1800">
+      <a:lvl6pPr algn="l" defTabSz="342900" eaLnBrk="1" hangingPunct="1" latinLnBrk="0" marL="1714500" rtl="0">
+        <a:defRPr kern="1200" sz="1350">
           <a:solidFill>
             <a:schemeClr val="tx1"/>
           </a:solidFill>
@@ -3495,8 +3473,8 @@
           <a:cs typeface="+mn-cs"/>
         </a:defRPr>
       </a:lvl6pPr>
-      <a:lvl7pPr algn="l" defTabSz="457200" eaLnBrk="1" hangingPunct="1" latinLnBrk="0" marL="2743200" rtl="0">
-        <a:defRPr kern="1200" sz="1800">
+      <a:lvl7pPr algn="l" defTabSz="342900" eaLnBrk="1" hangingPunct="1" latinLnBrk="0" marL="2057400" rtl="0">
+        <a:defRPr kern="1200" sz="1350">
           <a:solidFill>
             <a:schemeClr val="tx1"/>
           </a:solidFill>
@@ -3505,8 +3483,8 @@
           <a:cs typeface="+mn-cs"/>
         </a:defRPr>
       </a:lvl7pPr>
-      <a:lvl8pPr algn="l" defTabSz="457200" eaLnBrk="1" hangingPunct="1" latinLnBrk="0" marL="3200400" rtl="0">
-        <a:defRPr kern="1200" sz="1800">
+      <a:lvl8pPr algn="l" defTabSz="342900" eaLnBrk="1" hangingPunct="1" latinLnBrk="0" marL="2400300" rtl="0">
+        <a:defRPr kern="1200" sz="1350">
           <a:solidFill>
             <a:schemeClr val="tx1"/>
           </a:solidFill>
@@ -3515,8 +3493,8 @@
           <a:cs typeface="+mn-cs"/>
         </a:defRPr>
       </a:lvl8pPr>
-      <a:lvl9pPr algn="l" defTabSz="457200" eaLnBrk="1" hangingPunct="1" latinLnBrk="0" marL="3657600" rtl="0">
-        <a:defRPr kern="1200" sz="1800">
+      <a:lvl9pPr algn="l" defTabSz="342900" eaLnBrk="1" hangingPunct="1" latinLnBrk="0" marL="2743200" rtl="0">
+        <a:defRPr kern="1200" sz="1350">
           <a:solidFill>
             <a:schemeClr val="tx1"/>
           </a:solidFill>
@@ -3559,8 +3537,8 @@
         </p:nvSpPr>
         <p:spPr>
           <a:xfrm>
-            <a:off x="685800" y="2130425"/>
-            <a:ext cx="7772400" cy="1470025"/>
+            <a:off x="685800" y="1597819"/>
+            <a:ext cx="7772400" cy="1102519"/>
           </a:xfrm>
         </p:spPr>
         <p:txBody>
@@ -3589,8 +3567,8 @@
         </p:nvSpPr>
         <p:spPr>
           <a:xfrm>
-            <a:off x="1371600" y="3886200"/>
-            <a:ext cx="6400800" cy="1752600"/>
+            <a:off x="1371600" y="2914650"/>
+            <a:ext cx="6400800" cy="1314450"/>
           </a:xfrm>
         </p:spPr>
         <p:txBody>
